--- a/week1/Lecture1_Intro.pptx
+++ b/week1/Lecture1_Intro.pptx
@@ -7,13 +7,15 @@
   <p:sldIdLst>
     <p:sldId id="256" r:id="rId5"/>
     <p:sldId id="257" r:id="rId6"/>
-    <p:sldId id="264" r:id="rId7"/>
-    <p:sldId id="258" r:id="rId8"/>
-    <p:sldId id="263" r:id="rId9"/>
-    <p:sldId id="262" r:id="rId10"/>
-    <p:sldId id="259" r:id="rId11"/>
-    <p:sldId id="260" r:id="rId12"/>
-    <p:sldId id="261" r:id="rId13"/>
+    <p:sldId id="266" r:id="rId7"/>
+    <p:sldId id="265" r:id="rId8"/>
+    <p:sldId id="264" r:id="rId9"/>
+    <p:sldId id="258" r:id="rId10"/>
+    <p:sldId id="263" r:id="rId11"/>
+    <p:sldId id="262" r:id="rId12"/>
+    <p:sldId id="259" r:id="rId13"/>
+    <p:sldId id="260" r:id="rId14"/>
+    <p:sldId id="261" r:id="rId15"/>
   </p:sldIdLst>
   <p:sldSz cx="12192000" cy="6858000"/>
   <p:notesSz cx="6858000" cy="9144000"/>
@@ -118,14 +120,6 @@
     </p:ext>
   </p:extLst>
 </p:presentation>
-</file>
-
-<file path=ppt/revisionInfo.xml><?xml version="1.0" encoding="utf-8"?>
-<p1510:revInfo xmlns:a="http://schemas.openxmlformats.org/drawingml/2006/main" xmlns:r="http://schemas.openxmlformats.org/officeDocument/2006/relationships" xmlns:p1510="http://schemas.microsoft.com/office/powerpoint/2015/10/main">
-  <p1510:revLst>
-    <p1510:client id="{BFE2CA2E-9EA7-4ACE-8F16-7165571F98A2}" v="171" dt="2021-08-30T23:11:21.165"/>
-  </p1510:revLst>
-</p1510:revInfo>
 </file>
 
 <file path=ppt/diagrams/colors1.xml><?xml version="1.0" encoding="utf-8"?>
@@ -7128,1890 +7122,7 @@
 </p:sld>
 </file>
 
-<file path=ppt/slides/slide2.xml><?xml version="1.0" encoding="utf-8"?>
-<p:sld xmlns:a="http://schemas.openxmlformats.org/drawingml/2006/main" xmlns:r="http://schemas.openxmlformats.org/officeDocument/2006/relationships" xmlns:p="http://schemas.openxmlformats.org/presentationml/2006/main">
-  <p:cSld>
-    <p:bg>
-      <p:bgPr>
-        <a:solidFill>
-          <a:schemeClr val="bg1"/>
-        </a:solidFill>
-        <a:effectLst/>
-      </p:bgPr>
-    </p:bg>
-    <p:spTree>
-      <p:nvGrpSpPr>
-        <p:cNvPr id="1" name=""/>
-        <p:cNvGrpSpPr/>
-        <p:nvPr/>
-      </p:nvGrpSpPr>
-      <p:grpSpPr>
-        <a:xfrm>
-          <a:off x="0" y="0"/>
-          <a:ext cx="0" cy="0"/>
-          <a:chOff x="0" y="0"/>
-          <a:chExt cx="0" cy="0"/>
-        </a:xfrm>
-      </p:grpSpPr>
-      <p:sp useBgFill="1">
-        <p:nvSpPr>
-          <p:cNvPr id="8" name="Rectangle 7">
-            <a:extLst>
-              <a:ext uri="{FF2B5EF4-FFF2-40B4-BE49-F238E27FC236}">
-                <a16:creationId xmlns:a16="http://schemas.microsoft.com/office/drawing/2014/main" id="{5118BA95-03E7-41B7-B442-0AF8C0A7FF68}"/>
-              </a:ext>
-              <a:ext uri="{C183D7F6-B498-43B3-948B-1728B52AA6E4}">
-                <adec:decorative xmlns:adec="http://schemas.microsoft.com/office/drawing/2017/decorative" val="1"/>
-              </a:ext>
-            </a:extLst>
-          </p:cNvPr>
-          <p:cNvSpPr>
-            <a:spLocks noGrp="1" noRot="1" noChangeAspect="1" noMove="1" noResize="1" noEditPoints="1" noAdjustHandles="1" noChangeArrowheads="1" noChangeShapeType="1" noTextEdit="1"/>
-          </p:cNvSpPr>
-          <p:nvPr>
-            <p:extLst>
-              <p:ext uri="{386F3935-93C4-4BCD-93E2-E3B085C9AB24}">
-                <p16:designElem xmlns:p16="http://schemas.microsoft.com/office/powerpoint/2015/main" val="1"/>
-              </p:ext>
-            </p:extLst>
-          </p:nvPr>
-        </p:nvSpPr>
-        <p:spPr bwMode="white">
-          <a:xfrm>
-            <a:off x="3048" y="0"/>
-            <a:ext cx="12188952" cy="6858001"/>
-          </a:xfrm>
-          <a:prstGeom prst="rect">
-            <a:avLst/>
-          </a:prstGeom>
-          <a:ln>
-            <a:noFill/>
-          </a:ln>
-        </p:spPr>
-        <p:style>
-          <a:lnRef idx="2">
-            <a:schemeClr val="accent1">
-              <a:shade val="50000"/>
-            </a:schemeClr>
-          </a:lnRef>
-          <a:fillRef idx="1">
-            <a:schemeClr val="accent1"/>
-          </a:fillRef>
-          <a:effectRef idx="0">
-            <a:schemeClr val="accent1"/>
-          </a:effectRef>
-          <a:fontRef idx="minor">
-            <a:schemeClr val="lt1"/>
-          </a:fontRef>
-        </p:style>
-        <p:txBody>
-          <a:bodyPr rot="0" spcFirstLastPara="0" vert="horz" wrap="square" lIns="91440" tIns="45720" rIns="91440" bIns="45720" numCol="1" spcCol="0" rtlCol="0" fromWordArt="0" anchor="ctr" anchorCtr="0" forceAA="0" compatLnSpc="1">
-            <a:prstTxWarp prst="textNoShape">
-              <a:avLst/>
-            </a:prstTxWarp>
-            <a:noAutofit/>
-          </a:bodyPr>
-          <a:lstStyle>
-            <a:defPPr>
-              <a:defRPr lang="en-US"/>
-            </a:defPPr>
-            <a:lvl1pPr marL="0" algn="l" defTabSz="914400" rtl="0" eaLnBrk="1" latinLnBrk="0" hangingPunct="1">
-              <a:defRPr sz="1800" kern="1200">
-                <a:solidFill>
-                  <a:schemeClr val="lt1"/>
-                </a:solidFill>
-                <a:latin typeface="+mn-lt"/>
-                <a:ea typeface="+mn-ea"/>
-                <a:cs typeface="+mn-cs"/>
-              </a:defRPr>
-            </a:lvl1pPr>
-            <a:lvl2pPr marL="457200" algn="l" defTabSz="914400" rtl="0" eaLnBrk="1" latinLnBrk="0" hangingPunct="1">
-              <a:defRPr sz="1800" kern="1200">
-                <a:solidFill>
-                  <a:schemeClr val="lt1"/>
-                </a:solidFill>
-                <a:latin typeface="+mn-lt"/>
-                <a:ea typeface="+mn-ea"/>
-                <a:cs typeface="+mn-cs"/>
-              </a:defRPr>
-            </a:lvl2pPr>
-            <a:lvl3pPr marL="914400" algn="l" defTabSz="914400" rtl="0" eaLnBrk="1" latinLnBrk="0" hangingPunct="1">
-              <a:defRPr sz="1800" kern="1200">
-                <a:solidFill>
-                  <a:schemeClr val="lt1"/>
-                </a:solidFill>
-                <a:latin typeface="+mn-lt"/>
-                <a:ea typeface="+mn-ea"/>
-                <a:cs typeface="+mn-cs"/>
-              </a:defRPr>
-            </a:lvl3pPr>
-            <a:lvl4pPr marL="1371600" algn="l" defTabSz="914400" rtl="0" eaLnBrk="1" latinLnBrk="0" hangingPunct="1">
-              <a:defRPr sz="1800" kern="1200">
-                <a:solidFill>
-                  <a:schemeClr val="lt1"/>
-                </a:solidFill>
-                <a:latin typeface="+mn-lt"/>
-                <a:ea typeface="+mn-ea"/>
-                <a:cs typeface="+mn-cs"/>
-              </a:defRPr>
-            </a:lvl4pPr>
-            <a:lvl5pPr marL="1828800" algn="l" defTabSz="914400" rtl="0" eaLnBrk="1" latinLnBrk="0" hangingPunct="1">
-              <a:defRPr sz="1800" kern="1200">
-                <a:solidFill>
-                  <a:schemeClr val="lt1"/>
-                </a:solidFill>
-                <a:latin typeface="+mn-lt"/>
-                <a:ea typeface="+mn-ea"/>
-                <a:cs typeface="+mn-cs"/>
-              </a:defRPr>
-            </a:lvl5pPr>
-            <a:lvl6pPr marL="2286000" algn="l" defTabSz="914400" rtl="0" eaLnBrk="1" latinLnBrk="0" hangingPunct="1">
-              <a:defRPr sz="1800" kern="1200">
-                <a:solidFill>
-                  <a:schemeClr val="lt1"/>
-                </a:solidFill>
-                <a:latin typeface="+mn-lt"/>
-                <a:ea typeface="+mn-ea"/>
-                <a:cs typeface="+mn-cs"/>
-              </a:defRPr>
-            </a:lvl6pPr>
-            <a:lvl7pPr marL="2743200" algn="l" defTabSz="914400" rtl="0" eaLnBrk="1" latinLnBrk="0" hangingPunct="1">
-              <a:defRPr sz="1800" kern="1200">
-                <a:solidFill>
-                  <a:schemeClr val="lt1"/>
-                </a:solidFill>
-                <a:latin typeface="+mn-lt"/>
-                <a:ea typeface="+mn-ea"/>
-                <a:cs typeface="+mn-cs"/>
-              </a:defRPr>
-            </a:lvl7pPr>
-            <a:lvl8pPr marL="3200400" algn="l" defTabSz="914400" rtl="0" eaLnBrk="1" latinLnBrk="0" hangingPunct="1">
-              <a:defRPr sz="1800" kern="1200">
-                <a:solidFill>
-                  <a:schemeClr val="lt1"/>
-                </a:solidFill>
-                <a:latin typeface="+mn-lt"/>
-                <a:ea typeface="+mn-ea"/>
-                <a:cs typeface="+mn-cs"/>
-              </a:defRPr>
-            </a:lvl8pPr>
-            <a:lvl9pPr marL="3657600" algn="l" defTabSz="914400" rtl="0" eaLnBrk="1" latinLnBrk="0" hangingPunct="1">
-              <a:defRPr sz="1800" kern="1200">
-                <a:solidFill>
-                  <a:schemeClr val="lt1"/>
-                </a:solidFill>
-                <a:latin typeface="+mn-lt"/>
-                <a:ea typeface="+mn-ea"/>
-                <a:cs typeface="+mn-cs"/>
-              </a:defRPr>
-            </a:lvl9pPr>
-          </a:lstStyle>
-          <a:p>
-            <a:pPr algn="ctr"/>
-            <a:endParaRPr lang="en-US"/>
-          </a:p>
-        </p:txBody>
-      </p:sp>
-      <p:grpSp>
-        <p:nvGrpSpPr>
-          <p:cNvPr id="10" name="Group 9">
-            <a:extLst>
-              <a:ext uri="{FF2B5EF4-FFF2-40B4-BE49-F238E27FC236}">
-                <a16:creationId xmlns:a16="http://schemas.microsoft.com/office/drawing/2014/main" id="{E799C3D5-7D55-4046-808C-F290F456D6EF}"/>
-              </a:ext>
-              <a:ext uri="{C183D7F6-B498-43B3-948B-1728B52AA6E4}">
-                <adec:decorative xmlns:adec="http://schemas.microsoft.com/office/drawing/2017/decorative" val="1"/>
-              </a:ext>
-            </a:extLst>
-          </p:cNvPr>
-          <p:cNvGrpSpPr>
-            <a:grpSpLocks noGrp="1" noUngrp="1" noRot="1" noChangeAspect="1" noMove="1" noResize="1"/>
-          </p:cNvGrpSpPr>
-          <p:nvPr>
-            <p:extLst>
-              <p:ext uri="{386F3935-93C4-4BCD-93E2-E3B085C9AB24}">
-                <p16:designElem xmlns:p16="http://schemas.microsoft.com/office/powerpoint/2015/main" val="1"/>
-              </p:ext>
-            </p:extLst>
-          </p:nvPr>
-        </p:nvGrpSpPr>
-        <p:grpSpPr>
-          <a:xfrm>
-            <a:off x="1061035" y="1679569"/>
-            <a:ext cx="3498864" cy="3498858"/>
-            <a:chOff x="1061035" y="1679569"/>
-            <a:chExt cx="3498864" cy="3498858"/>
-          </a:xfrm>
-        </p:grpSpPr>
-        <p:sp>
-          <p:nvSpPr>
-            <p:cNvPr id="11" name="Oval 10">
-              <a:extLst>
-                <a:ext uri="{FF2B5EF4-FFF2-40B4-BE49-F238E27FC236}">
-                  <a16:creationId xmlns:a16="http://schemas.microsoft.com/office/drawing/2014/main" id="{059D8741-EAD6-41B1-A882-70D70FC35821}"/>
-                </a:ext>
-                <a:ext uri="{C183D7F6-B498-43B3-948B-1728B52AA6E4}">
-                  <adec:decorative xmlns:adec="http://schemas.microsoft.com/office/drawing/2017/decorative" val="1"/>
-                </a:ext>
-              </a:extLst>
-            </p:cNvPr>
-            <p:cNvSpPr/>
-            <p:nvPr>
-              <p:extLst>
-                <p:ext uri="{386F3935-93C4-4BCD-93E2-E3B085C9AB24}">
-                  <p16:designElem xmlns:p16="http://schemas.microsoft.com/office/powerpoint/2015/main" val="1"/>
-                </p:ext>
-              </p:extLst>
-            </p:nvPr>
-          </p:nvSpPr>
-          <p:spPr>
-            <a:xfrm>
-              <a:off x="1061035" y="1679569"/>
-              <a:ext cx="3498864" cy="3498858"/>
-            </a:xfrm>
-            <a:prstGeom prst="ellipse">
-              <a:avLst/>
-            </a:prstGeom>
-            <a:blipFill dpi="0" rotWithShape="1">
-              <a:blip r:embed="rId2">
-                <a:duotone>
-                  <a:schemeClr val="accent1">
-                    <a:shade val="45000"/>
-                    <a:satMod val="135000"/>
-                  </a:schemeClr>
-                  <a:prstClr val="white"/>
-                </a:duotone>
-                <a:extLst>
-                  <a:ext uri="{BEBA8EAE-BF5A-486C-A8C5-ECC9F3942E4B}">
-                    <a14:imgProps xmlns:a14="http://schemas.microsoft.com/office/drawing/2010/main">
-                      <a14:imgLayer r:embed="rId3">
-                        <a14:imgEffect>
-                          <a14:saturation sat="400000"/>
-                        </a14:imgEffect>
-                        <a14:imgEffect>
-                          <a14:brightnessContrast bright="-40000" contrast="40000"/>
-                        </a14:imgEffect>
-                      </a14:imgLayer>
-                    </a14:imgProps>
-                  </a:ext>
-                </a:extLst>
-              </a:blip>
-              <a:srcRect/>
-              <a:tile tx="0" ty="0" sx="85000" sy="85000" flip="none" algn="tl"/>
-            </a:blipFill>
-            <a:ln w="25400" cap="flat" cmpd="sng" algn="ctr">
-              <a:noFill/>
-              <a:prstDash val="solid"/>
-            </a:ln>
-            <a:effectLst/>
-          </p:spPr>
-          <p:txBody>
-            <a:bodyPr lIns="0" tIns="0" rIns="0" bIns="0" rtlCol="0" anchor="ctr"/>
-            <a:lstStyle/>
-            <a:p>
-              <a:pPr marL="0" marR="0" lvl="0" indent="0" algn="ctr" defTabSz="914400" eaLnBrk="1" fontAlgn="auto" latinLnBrk="0" hangingPunct="1">
-                <a:lnSpc>
-                  <a:spcPct val="100000"/>
-                </a:lnSpc>
-                <a:spcBef>
-                  <a:spcPts val="0"/>
-                </a:spcBef>
-                <a:spcAft>
-                  <a:spcPts val="0"/>
-                </a:spcAft>
-                <a:buClrTx/>
-                <a:buSzTx/>
-                <a:buFontTx/>
-                <a:buNone/>
-                <a:tabLst/>
-                <a:defRPr/>
-              </a:pPr>
-              <a:endParaRPr kumimoji="0" lang="en-US" sz="2000" b="0" i="0" u="none" strike="noStrike" kern="0" cap="none" spc="0" normalizeH="0" baseline="0" noProof="0" dirty="0">
-                <a:ln>
-                  <a:noFill/>
-                </a:ln>
-                <a:solidFill>
-                  <a:prstClr val="white"/>
-                </a:solidFill>
-                <a:effectLst/>
-                <a:uLnTx/>
-                <a:uFillTx/>
-                <a:latin typeface="Rockwell Extra Bold" pitchFamily="18" charset="0"/>
-                <a:ea typeface="+mn-ea"/>
-                <a:cs typeface="+mn-cs"/>
-              </a:endParaRPr>
-            </a:p>
-          </p:txBody>
-        </p:sp>
-        <p:sp>
-          <p:nvSpPr>
-            <p:cNvPr id="12" name="Oval 11">
-              <a:extLst>
-                <a:ext uri="{FF2B5EF4-FFF2-40B4-BE49-F238E27FC236}">
-                  <a16:creationId xmlns:a16="http://schemas.microsoft.com/office/drawing/2014/main" id="{45444F36-3103-4D11-A25F-C054D4606DA4}"/>
-                </a:ext>
-                <a:ext uri="{C183D7F6-B498-43B3-948B-1728B52AA6E4}">
-                  <adec:decorative xmlns:adec="http://schemas.microsoft.com/office/drawing/2017/decorative" val="1"/>
-                </a:ext>
-              </a:extLst>
-            </p:cNvPr>
-            <p:cNvSpPr/>
-            <p:nvPr>
-              <p:extLst>
-                <p:ext uri="{386F3935-93C4-4BCD-93E2-E3B085C9AB24}">
-                  <p16:designElem xmlns:p16="http://schemas.microsoft.com/office/powerpoint/2015/main" val="1"/>
-                </p:ext>
-              </p:extLst>
-            </p:nvPr>
-          </p:nvSpPr>
-          <p:spPr>
-            <a:xfrm>
-              <a:off x="1246134" y="1864667"/>
-              <a:ext cx="3128666" cy="3128662"/>
-            </a:xfrm>
-            <a:prstGeom prst="ellipse">
-              <a:avLst/>
-            </a:prstGeom>
-            <a:noFill/>
-            <a:ln w="25400" cap="flat" cmpd="sng" algn="ctr">
-              <a:solidFill>
-                <a:sysClr val="window" lastClr="FFFFFF"/>
-              </a:solidFill>
-              <a:prstDash val="solid"/>
-            </a:ln>
-            <a:effectLst/>
-          </p:spPr>
-          <p:txBody>
-            <a:bodyPr rtlCol="0" anchor="ctr"/>
-            <a:lstStyle/>
-            <a:p>
-              <a:pPr marL="0" marR="0" lvl="0" indent="0" algn="ctr" defTabSz="914400" eaLnBrk="1" fontAlgn="auto" latinLnBrk="0" hangingPunct="1">
-                <a:lnSpc>
-                  <a:spcPct val="100000"/>
-                </a:lnSpc>
-                <a:spcBef>
-                  <a:spcPts val="0"/>
-                </a:spcBef>
-                <a:spcAft>
-                  <a:spcPts val="0"/>
-                </a:spcAft>
-                <a:buClrTx/>
-                <a:buSzTx/>
-                <a:buFontTx/>
-                <a:buNone/>
-                <a:tabLst/>
-                <a:defRPr/>
-              </a:pPr>
-              <a:endParaRPr kumimoji="0" lang="en-US" sz="1800" b="0" i="0" u="none" strike="noStrike" kern="0" cap="none" spc="0" normalizeH="0" baseline="0" noProof="0" dirty="0">
-                <a:ln>
-                  <a:noFill/>
-                </a:ln>
-                <a:solidFill>
-                  <a:prstClr val="white"/>
-                </a:solidFill>
-                <a:effectLst/>
-                <a:uLnTx/>
-                <a:uFillTx/>
-                <a:latin typeface="Calibri"/>
-                <a:ea typeface="+mn-ea"/>
-                <a:cs typeface="+mn-cs"/>
-              </a:endParaRPr>
-            </a:p>
-          </p:txBody>
-        </p:sp>
-      </p:grpSp>
-      <p:sp>
-        <p:nvSpPr>
-          <p:cNvPr id="2" name="Title 1">
-            <a:extLst>
-              <a:ext uri="{FF2B5EF4-FFF2-40B4-BE49-F238E27FC236}">
-                <a16:creationId xmlns:a16="http://schemas.microsoft.com/office/drawing/2014/main" id="{A0C9C1B2-F4C7-4DEC-9767-533737A93DBE}"/>
-              </a:ext>
-            </a:extLst>
-          </p:cNvPr>
-          <p:cNvSpPr>
-            <a:spLocks noGrp="1"/>
-          </p:cNvSpPr>
-          <p:nvPr>
-            <p:ph type="title"/>
-          </p:nvPr>
-        </p:nvSpPr>
-        <p:spPr>
-          <a:xfrm>
-            <a:off x="1490145" y="2376862"/>
-            <a:ext cx="2640646" cy="2104273"/>
-          </a:xfrm>
-          <a:noFill/>
-        </p:spPr>
-        <p:txBody>
-          <a:bodyPr>
-            <a:normAutofit/>
-          </a:bodyPr>
-          <a:lstStyle/>
-          <a:p>
-            <a:pPr algn="ctr"/>
-            <a:r>
-              <a:rPr lang="en-US" sz="3000" dirty="0">
-                <a:solidFill>
-                  <a:srgbClr val="FFFFFF"/>
-                </a:solidFill>
-              </a:rPr>
-              <a:t>Outline</a:t>
-            </a:r>
-          </a:p>
-        </p:txBody>
-      </p:sp>
-      <p:sp>
-        <p:nvSpPr>
-          <p:cNvPr id="14" name="Rectangle 13">
-            <a:extLst>
-              <a:ext uri="{FF2B5EF4-FFF2-40B4-BE49-F238E27FC236}">
-                <a16:creationId xmlns:a16="http://schemas.microsoft.com/office/drawing/2014/main" id="{AD9B3EAD-A2B3-42C4-927C-3455E3E69EE6}"/>
-              </a:ext>
-              <a:ext uri="{C183D7F6-B498-43B3-948B-1728B52AA6E4}">
-                <adec:decorative xmlns:adec="http://schemas.microsoft.com/office/drawing/2017/decorative" val="1"/>
-              </a:ext>
-            </a:extLst>
-          </p:cNvPr>
-          <p:cNvSpPr>
-            <a:spLocks noGrp="1" noRot="1" noChangeAspect="1" noMove="1" noResize="1" noEditPoints="1" noAdjustHandles="1" noChangeArrowheads="1" noChangeShapeType="1" noTextEdit="1"/>
-          </p:cNvSpPr>
-          <p:nvPr>
-            <p:extLst>
-              <p:ext uri="{386F3935-93C4-4BCD-93E2-E3B085C9AB24}">
-                <p16:designElem xmlns:p16="http://schemas.microsoft.com/office/powerpoint/2015/main" val="1"/>
-              </p:ext>
-            </p:extLst>
-          </p:nvPr>
-        </p:nvSpPr>
-        <p:spPr>
-          <a:xfrm rot="5400000">
-            <a:off x="3502277" y="3388659"/>
-            <a:ext cx="3657600" cy="80683"/>
-          </a:xfrm>
-          <a:prstGeom prst="rect">
-            <a:avLst/>
-          </a:prstGeom>
-          <a:blipFill dpi="0" rotWithShape="1">
-            <a:blip r:embed="rId4">
-              <a:alphaModFix amt="85000"/>
-              <a:lum bright="70000" contrast="-70000"/>
-              <a:extLst>
-                <a:ext uri="{BEBA8EAE-BF5A-486C-A8C5-ECC9F3942E4B}">
-                  <a14:imgProps xmlns:a14="http://schemas.microsoft.com/office/drawing/2010/main">
-                    <a14:imgLayer r:embed="rId5">
-                      <a14:imgEffect>
-                        <a14:sharpenSoften amount="61000"/>
-                      </a14:imgEffect>
-                    </a14:imgLayer>
-                  </a14:imgProps>
-                </a:ext>
-                <a:ext uri="{28A0092B-C50C-407E-A947-70E740481C1C}">
-                  <a14:useLocalDpi xmlns:a14="http://schemas.microsoft.com/office/drawing/2010/main" val="0"/>
-                </a:ext>
-              </a:extLst>
-            </a:blip>
-            <a:srcRect/>
-            <a:tile tx="0" ty="-717550" sx="92000" sy="89000" flip="xy" algn="ctr"/>
-          </a:blipFill>
-          <a:ln>
-            <a:noFill/>
-          </a:ln>
-        </p:spPr>
-        <p:style>
-          <a:lnRef idx="2">
-            <a:schemeClr val="accent1">
-              <a:shade val="50000"/>
-            </a:schemeClr>
-          </a:lnRef>
-          <a:fillRef idx="1">
-            <a:schemeClr val="accent1"/>
-          </a:fillRef>
-          <a:effectRef idx="0">
-            <a:schemeClr val="accent1"/>
-          </a:effectRef>
-          <a:fontRef idx="minor">
-            <a:schemeClr val="lt1"/>
-          </a:fontRef>
-        </p:style>
-      </p:sp>
-      <p:sp>
-        <p:nvSpPr>
-          <p:cNvPr id="3" name="Content Placeholder 2">
-            <a:extLst>
-              <a:ext uri="{FF2B5EF4-FFF2-40B4-BE49-F238E27FC236}">
-                <a16:creationId xmlns:a16="http://schemas.microsoft.com/office/drawing/2014/main" id="{36CB96C1-0D53-4D09-BDE7-BD0663D8FAB6}"/>
-              </a:ext>
-            </a:extLst>
-          </p:cNvPr>
-          <p:cNvSpPr>
-            <a:spLocks noGrp="1"/>
-          </p:cNvSpPr>
-          <p:nvPr>
-            <p:ph idx="1"/>
-          </p:nvPr>
-        </p:nvSpPr>
-        <p:spPr>
-          <a:xfrm>
-            <a:off x="6081089" y="725394"/>
-            <a:ext cx="5142658" cy="5407212"/>
-          </a:xfrm>
-        </p:spPr>
-        <p:txBody>
-          <a:bodyPr anchor="ctr">
-            <a:normAutofit/>
-          </a:bodyPr>
-          <a:lstStyle/>
-          <a:p>
-            <a:r>
-              <a:rPr lang="en-US" dirty="0"/>
-              <a:t>Organizational (Syllabus)</a:t>
-            </a:r>
-          </a:p>
-          <a:p>
-            <a:r>
-              <a:rPr lang="en-US" dirty="0"/>
-              <a:t>Course Outline</a:t>
-            </a:r>
-          </a:p>
-          <a:p>
-            <a:r>
-              <a:rPr lang="en-US" dirty="0"/>
-              <a:t>Programming and Python Overview</a:t>
-            </a:r>
-          </a:p>
-        </p:txBody>
-      </p:sp>
-    </p:spTree>
-    <p:extLst>
-      <p:ext uri="{BB962C8B-B14F-4D97-AF65-F5344CB8AC3E}">
-        <p14:creationId xmlns:p14="http://schemas.microsoft.com/office/powerpoint/2010/main" val="687499007"/>
-      </p:ext>
-    </p:extLst>
-  </p:cSld>
-  <p:clrMapOvr>
-    <a:masterClrMapping/>
-  </p:clrMapOvr>
-</p:sld>
-</file>
-
-<file path=ppt/slides/slide3.xml><?xml version="1.0" encoding="utf-8"?>
-<p:sld xmlns:a="http://schemas.openxmlformats.org/drawingml/2006/main" xmlns:r="http://schemas.openxmlformats.org/officeDocument/2006/relationships" xmlns:p="http://schemas.openxmlformats.org/presentationml/2006/main">
-  <p:cSld>
-    <p:spTree>
-      <p:nvGrpSpPr>
-        <p:cNvPr id="1" name=""/>
-        <p:cNvGrpSpPr/>
-        <p:nvPr/>
-      </p:nvGrpSpPr>
-      <p:grpSpPr>
-        <a:xfrm>
-          <a:off x="0" y="0"/>
-          <a:ext cx="0" cy="0"/>
-          <a:chOff x="0" y="0"/>
-          <a:chExt cx="0" cy="0"/>
-        </a:xfrm>
-      </p:grpSpPr>
-      <p:sp>
-        <p:nvSpPr>
-          <p:cNvPr id="2" name="Title 1">
-            <a:extLst>
-              <a:ext uri="{FF2B5EF4-FFF2-40B4-BE49-F238E27FC236}">
-                <a16:creationId xmlns:a16="http://schemas.microsoft.com/office/drawing/2014/main" id="{A0C9C1B2-F4C7-4DEC-9767-533737A93DBE}"/>
-              </a:ext>
-            </a:extLst>
-          </p:cNvPr>
-          <p:cNvSpPr>
-            <a:spLocks noGrp="1"/>
-          </p:cNvSpPr>
-          <p:nvPr>
-            <p:ph type="title"/>
-          </p:nvPr>
-        </p:nvSpPr>
-        <p:spPr/>
-        <p:txBody>
-          <a:bodyPr/>
-          <a:lstStyle/>
-          <a:p>
-            <a:r>
-              <a:rPr lang="en-US" dirty="0"/>
-              <a:t>EAS 503 Course Waiver</a:t>
-            </a:r>
-          </a:p>
-        </p:txBody>
-      </p:sp>
-      <p:sp>
-        <p:nvSpPr>
-          <p:cNvPr id="6" name="Content Placeholder 5">
-            <a:extLst>
-              <a:ext uri="{FF2B5EF4-FFF2-40B4-BE49-F238E27FC236}">
-                <a16:creationId xmlns:a16="http://schemas.microsoft.com/office/drawing/2014/main" id="{B485E1E1-DC0C-4774-A117-ACE267CD7408}"/>
-              </a:ext>
-            </a:extLst>
-          </p:cNvPr>
-          <p:cNvSpPr>
-            <a:spLocks noGrp="1"/>
-          </p:cNvSpPr>
-          <p:nvPr>
-            <p:ph sz="half" idx="2"/>
-          </p:nvPr>
-        </p:nvSpPr>
-        <p:spPr>
-          <a:xfrm>
-            <a:off x="3660865" y="1220218"/>
-            <a:ext cx="7201687" cy="5290458"/>
-          </a:xfrm>
-        </p:spPr>
-        <p:txBody>
-          <a:bodyPr/>
-          <a:lstStyle/>
-          <a:p>
-            <a:r>
-              <a:rPr lang="en-US" dirty="0"/>
-              <a:t>If you good with python, databases, plotting and introductory machine learning then contact me to receive waiver assignment.</a:t>
-            </a:r>
-          </a:p>
-          <a:p>
-            <a:r>
-              <a:rPr lang="en-US" dirty="0"/>
-              <a:t>Complete it as soon as possible (recall class dropping deadline)!</a:t>
-            </a:r>
-          </a:p>
-          <a:p>
-            <a:endParaRPr lang="en-US" dirty="0"/>
-          </a:p>
-        </p:txBody>
-      </p:sp>
-    </p:spTree>
-    <p:extLst>
-      <p:ext uri="{BB962C8B-B14F-4D97-AF65-F5344CB8AC3E}">
-        <p14:creationId xmlns:p14="http://schemas.microsoft.com/office/powerpoint/2010/main" val="447939425"/>
-      </p:ext>
-    </p:extLst>
-  </p:cSld>
-  <p:clrMapOvr>
-    <a:masterClrMapping/>
-  </p:clrMapOvr>
-</p:sld>
-</file>
-
-<file path=ppt/slides/slide4.xml><?xml version="1.0" encoding="utf-8"?>
-<p:sld xmlns:a="http://schemas.openxmlformats.org/drawingml/2006/main" xmlns:r="http://schemas.openxmlformats.org/officeDocument/2006/relationships" xmlns:p="http://schemas.openxmlformats.org/presentationml/2006/main">
-  <p:cSld>
-    <p:spTree>
-      <p:nvGrpSpPr>
-        <p:cNvPr id="1" name=""/>
-        <p:cNvGrpSpPr/>
-        <p:nvPr/>
-      </p:nvGrpSpPr>
-      <p:grpSpPr>
-        <a:xfrm>
-          <a:off x="0" y="0"/>
-          <a:ext cx="0" cy="0"/>
-          <a:chOff x="0" y="0"/>
-          <a:chExt cx="0" cy="0"/>
-        </a:xfrm>
-      </p:grpSpPr>
-      <p:sp>
-        <p:nvSpPr>
-          <p:cNvPr id="2" name="Title 1">
-            <a:extLst>
-              <a:ext uri="{FF2B5EF4-FFF2-40B4-BE49-F238E27FC236}">
-                <a16:creationId xmlns:a16="http://schemas.microsoft.com/office/drawing/2014/main" id="{A0C9C1B2-F4C7-4DEC-9767-533737A93DBE}"/>
-              </a:ext>
-            </a:extLst>
-          </p:cNvPr>
-          <p:cNvSpPr>
-            <a:spLocks noGrp="1"/>
-          </p:cNvSpPr>
-          <p:nvPr>
-            <p:ph type="title"/>
-          </p:nvPr>
-        </p:nvSpPr>
-        <p:spPr/>
-        <p:txBody>
-          <a:bodyPr/>
-          <a:lstStyle/>
-          <a:p>
-            <a:r>
-              <a:rPr lang="en-US" dirty="0"/>
-              <a:t>Programming and Algorithms</a:t>
-            </a:r>
-          </a:p>
-        </p:txBody>
-      </p:sp>
-      <p:sp>
-        <p:nvSpPr>
-          <p:cNvPr id="6" name="Content Placeholder 5">
-            <a:extLst>
-              <a:ext uri="{FF2B5EF4-FFF2-40B4-BE49-F238E27FC236}">
-                <a16:creationId xmlns:a16="http://schemas.microsoft.com/office/drawing/2014/main" id="{B485E1E1-DC0C-4774-A117-ACE267CD7408}"/>
-              </a:ext>
-            </a:extLst>
-          </p:cNvPr>
-          <p:cNvSpPr>
-            <a:spLocks noGrp="1"/>
-          </p:cNvSpPr>
-          <p:nvPr>
-            <p:ph sz="half" idx="2"/>
-          </p:nvPr>
-        </p:nvSpPr>
-        <p:spPr>
-          <a:xfrm>
-            <a:off x="7178040" y="1058091"/>
-            <a:ext cx="4905102" cy="5290458"/>
-          </a:xfrm>
-        </p:spPr>
-        <p:txBody>
-          <a:bodyPr/>
-          <a:lstStyle/>
-          <a:p>
-            <a:r>
-              <a:rPr lang="en-US" dirty="0"/>
-              <a:t>Algorithm is a finite sequence of well-defined, computer-implementable instructions (</a:t>
-            </a:r>
-            <a:r>
-              <a:rPr lang="en-US" dirty="0" err="1"/>
-              <a:t>wikipedia</a:t>
-            </a:r>
-            <a:r>
-              <a:rPr lang="en-US" dirty="0"/>
-              <a:t>)</a:t>
-            </a:r>
-          </a:p>
-          <a:p>
-            <a:pPr lvl="1"/>
-            <a:r>
-              <a:rPr lang="en-US" dirty="0"/>
-              <a:t>Unambiguous</a:t>
-            </a:r>
-          </a:p>
-          <a:p>
-            <a:pPr lvl="1"/>
-            <a:r>
-              <a:rPr lang="en-US" dirty="0"/>
-              <a:t>More abstract than program</a:t>
-            </a:r>
-          </a:p>
-          <a:p>
-            <a:r>
-              <a:rPr lang="en-US" dirty="0"/>
-              <a:t>A program is a set of detailed step-by-step instructions to a computer.</a:t>
-            </a:r>
-          </a:p>
-          <a:p>
-            <a:pPr lvl="1"/>
-            <a:r>
-              <a:rPr lang="en-US" dirty="0"/>
-              <a:t>A particular implementation of an algorithm</a:t>
-            </a:r>
-          </a:p>
-          <a:p>
-            <a:endParaRPr lang="en-US" dirty="0"/>
-          </a:p>
-        </p:txBody>
-      </p:sp>
-      <p:pic>
-        <p:nvPicPr>
-          <p:cNvPr id="9" name="Picture 8">
-            <a:extLst>
-              <a:ext uri="{FF2B5EF4-FFF2-40B4-BE49-F238E27FC236}">
-                <a16:creationId xmlns:a16="http://schemas.microsoft.com/office/drawing/2014/main" id="{846E452D-C2A3-4E93-AF25-5977677C3B9F}"/>
-              </a:ext>
-            </a:extLst>
-          </p:cNvPr>
-          <p:cNvPicPr>
-            <a:picLocks noChangeAspect="1"/>
-          </p:cNvPicPr>
-          <p:nvPr/>
-        </p:nvPicPr>
-        <p:blipFill>
-          <a:blip r:embed="rId2"/>
-          <a:stretch>
-            <a:fillRect/>
-          </a:stretch>
-        </p:blipFill>
-        <p:spPr>
-          <a:xfrm>
-            <a:off x="143691" y="1538203"/>
-            <a:ext cx="2351315" cy="5290459"/>
-          </a:xfrm>
-          <a:prstGeom prst="rect">
-            <a:avLst/>
-          </a:prstGeom>
-        </p:spPr>
-      </p:pic>
-      <p:pic>
-        <p:nvPicPr>
-          <p:cNvPr id="11" name="Picture 10">
-            <a:extLst>
-              <a:ext uri="{FF2B5EF4-FFF2-40B4-BE49-F238E27FC236}">
-                <a16:creationId xmlns:a16="http://schemas.microsoft.com/office/drawing/2014/main" id="{3FA6B1D3-83D8-4F14-9580-111663DA5AF4}"/>
-              </a:ext>
-            </a:extLst>
-          </p:cNvPr>
-          <p:cNvPicPr>
-            <a:picLocks noChangeAspect="1"/>
-          </p:cNvPicPr>
-          <p:nvPr/>
-        </p:nvPicPr>
-        <p:blipFill>
-          <a:blip r:embed="rId3"/>
-          <a:stretch>
-            <a:fillRect/>
-          </a:stretch>
-        </p:blipFill>
-        <p:spPr>
-          <a:xfrm>
-            <a:off x="3166111" y="2422207"/>
-            <a:ext cx="3695700" cy="2562225"/>
-          </a:xfrm>
-          <a:prstGeom prst="rect">
-            <a:avLst/>
-          </a:prstGeom>
-        </p:spPr>
-      </p:pic>
-      <p:sp>
-        <p:nvSpPr>
-          <p:cNvPr id="14" name="TextBox 13">
-            <a:extLst>
-              <a:ext uri="{FF2B5EF4-FFF2-40B4-BE49-F238E27FC236}">
-                <a16:creationId xmlns:a16="http://schemas.microsoft.com/office/drawing/2014/main" id="{7F70D026-6632-4883-9636-1DB3425428F6}"/>
-              </a:ext>
-            </a:extLst>
-          </p:cNvPr>
-          <p:cNvSpPr txBox="1"/>
-          <p:nvPr/>
-        </p:nvSpPr>
-        <p:spPr>
-          <a:xfrm>
-            <a:off x="108858" y="1161811"/>
-            <a:ext cx="1262742" cy="369332"/>
-          </a:xfrm>
-          <a:prstGeom prst="rect">
-            <a:avLst/>
-          </a:prstGeom>
-          <a:noFill/>
-        </p:spPr>
-        <p:txBody>
-          <a:bodyPr wrap="square" rtlCol="0">
-            <a:spAutoFit/>
-          </a:bodyPr>
-          <a:lstStyle/>
-          <a:p>
-            <a:r>
-              <a:rPr lang="en-US" i="1" dirty="0"/>
-              <a:t>Flowchart:</a:t>
-            </a:r>
-          </a:p>
-        </p:txBody>
-      </p:sp>
-      <p:sp>
-        <p:nvSpPr>
-          <p:cNvPr id="15" name="TextBox 14">
-            <a:extLst>
-              <a:ext uri="{FF2B5EF4-FFF2-40B4-BE49-F238E27FC236}">
-                <a16:creationId xmlns:a16="http://schemas.microsoft.com/office/drawing/2014/main" id="{CD378650-0509-49F3-B3B0-225823DA16CA}"/>
-              </a:ext>
-            </a:extLst>
-          </p:cNvPr>
-          <p:cNvSpPr txBox="1"/>
-          <p:nvPr/>
-        </p:nvSpPr>
-        <p:spPr>
-          <a:xfrm>
-            <a:off x="2987585" y="2119136"/>
-            <a:ext cx="1556703" cy="369332"/>
-          </a:xfrm>
-          <a:prstGeom prst="rect">
-            <a:avLst/>
-          </a:prstGeom>
-          <a:noFill/>
-        </p:spPr>
-        <p:txBody>
-          <a:bodyPr wrap="square" rtlCol="0">
-            <a:spAutoFit/>
-          </a:bodyPr>
-          <a:lstStyle/>
-          <a:p>
-            <a:r>
-              <a:rPr lang="en-US" i="1" dirty="0"/>
-              <a:t>Pseudocode:</a:t>
-            </a:r>
-          </a:p>
-        </p:txBody>
-      </p:sp>
-    </p:spTree>
-    <p:extLst>
-      <p:ext uri="{BB962C8B-B14F-4D97-AF65-F5344CB8AC3E}">
-        <p14:creationId xmlns:p14="http://schemas.microsoft.com/office/powerpoint/2010/main" val="1680011042"/>
-      </p:ext>
-    </p:extLst>
-  </p:cSld>
-  <p:clrMapOvr>
-    <a:masterClrMapping/>
-  </p:clrMapOvr>
-</p:sld>
-</file>
-
-<file path=ppt/slides/slide5.xml><?xml version="1.0" encoding="utf-8"?>
-<p:sld xmlns:a="http://schemas.openxmlformats.org/drawingml/2006/main" xmlns:r="http://schemas.openxmlformats.org/officeDocument/2006/relationships" xmlns:p="http://schemas.openxmlformats.org/presentationml/2006/main">
-  <p:cSld>
-    <p:spTree>
-      <p:nvGrpSpPr>
-        <p:cNvPr id="1" name=""/>
-        <p:cNvGrpSpPr/>
-        <p:nvPr/>
-      </p:nvGrpSpPr>
-      <p:grpSpPr>
-        <a:xfrm>
-          <a:off x="0" y="0"/>
-          <a:ext cx="0" cy="0"/>
-          <a:chOff x="0" y="0"/>
-          <a:chExt cx="0" cy="0"/>
-        </a:xfrm>
-      </p:grpSpPr>
-      <p:sp>
-        <p:nvSpPr>
-          <p:cNvPr id="2" name="Title 1">
-            <a:extLst>
-              <a:ext uri="{FF2B5EF4-FFF2-40B4-BE49-F238E27FC236}">
-                <a16:creationId xmlns:a16="http://schemas.microsoft.com/office/drawing/2014/main" id="{32F70F65-6F2A-4185-A897-B6CB9CD3A263}"/>
-              </a:ext>
-            </a:extLst>
-          </p:cNvPr>
-          <p:cNvSpPr>
-            <a:spLocks noGrp="1"/>
-          </p:cNvSpPr>
-          <p:nvPr>
-            <p:ph type="title"/>
-          </p:nvPr>
-        </p:nvSpPr>
-        <p:spPr/>
-        <p:txBody>
-          <a:bodyPr>
-            <a:noAutofit/>
-          </a:bodyPr>
-          <a:lstStyle/>
-          <a:p>
-            <a:r>
-              <a:rPr lang="en-US" sz="3200" dirty="0"/>
-              <a:t>Python: General Purpose Programming Language</a:t>
-            </a:r>
-          </a:p>
-        </p:txBody>
-      </p:sp>
-      <p:sp>
-        <p:nvSpPr>
-          <p:cNvPr id="5" name="Content Placeholder 4">
-            <a:extLst>
-              <a:ext uri="{FF2B5EF4-FFF2-40B4-BE49-F238E27FC236}">
-                <a16:creationId xmlns:a16="http://schemas.microsoft.com/office/drawing/2014/main" id="{6793DA37-8C04-4EFA-A84E-6F7BE3878248}"/>
-              </a:ext>
-            </a:extLst>
-          </p:cNvPr>
-          <p:cNvSpPr>
-            <a:spLocks noGrp="1"/>
-          </p:cNvSpPr>
-          <p:nvPr>
-            <p:ph sz="half" idx="2"/>
-          </p:nvPr>
-        </p:nvSpPr>
-        <p:spPr/>
-        <p:txBody>
-          <a:bodyPr>
-            <a:normAutofit fontScale="92500" lnSpcReduction="10000"/>
-          </a:bodyPr>
-          <a:lstStyle/>
-          <a:p>
-            <a:r>
-              <a:rPr lang="en-US" sz="2000" dirty="0"/>
-              <a:t>Python</a:t>
-            </a:r>
-          </a:p>
-          <a:p>
-            <a:pPr lvl="1"/>
-            <a:r>
-              <a:rPr lang="en-US" dirty="0"/>
-              <a:t>General Purpose</a:t>
-            </a:r>
-          </a:p>
-          <a:p>
-            <a:pPr lvl="1"/>
-            <a:r>
-              <a:rPr lang="en-US" dirty="0"/>
-              <a:t>High level</a:t>
-            </a:r>
-          </a:p>
-          <a:p>
-            <a:pPr lvl="2"/>
-            <a:r>
-              <a:rPr lang="en-US" dirty="0"/>
-              <a:t>Functional and Object-Oriented programming</a:t>
-            </a:r>
-          </a:p>
-          <a:p>
-            <a:pPr lvl="1"/>
-            <a:r>
-              <a:rPr lang="en-US" dirty="0"/>
-              <a:t>Multiplatform</a:t>
-            </a:r>
-          </a:p>
-          <a:p>
-            <a:pPr lvl="2"/>
-            <a:r>
-              <a:rPr lang="en-US" dirty="0"/>
-              <a:t>Run everywhere</a:t>
-            </a:r>
-          </a:p>
-          <a:p>
-            <a:pPr lvl="1"/>
-            <a:r>
-              <a:rPr lang="en-US" dirty="0"/>
-              <a:t>Interpreted</a:t>
-            </a:r>
-          </a:p>
-          <a:p>
-            <a:pPr lvl="2"/>
-            <a:r>
-              <a:rPr lang="en-US" dirty="0"/>
-              <a:t>No need to compile</a:t>
-            </a:r>
-          </a:p>
-          <a:p>
-            <a:pPr lvl="2"/>
-            <a:r>
-              <a:rPr lang="en-US" dirty="0"/>
-              <a:t>Can be slow on itself (use optimized libraries)</a:t>
-            </a:r>
-          </a:p>
-          <a:p>
-            <a:pPr lvl="1"/>
-            <a:r>
-              <a:rPr lang="en-US" dirty="0"/>
-              <a:t>Written in C</a:t>
-            </a:r>
-          </a:p>
-          <a:p>
-            <a:pPr lvl="1"/>
-            <a:r>
-              <a:rPr lang="en-US" dirty="0"/>
-              <a:t>Programs and libraries can be optimized to use modern CPUs and GPUs</a:t>
-            </a:r>
-          </a:p>
-          <a:p>
-            <a:pPr lvl="2"/>
-            <a:r>
-              <a:rPr lang="en-US" dirty="0"/>
-              <a:t>Support number of way to integrate high preforming code (</a:t>
-            </a:r>
-            <a:r>
-              <a:rPr lang="en-US" dirty="0" err="1"/>
-              <a:t>cython</a:t>
-            </a:r>
-            <a:r>
-              <a:rPr lang="en-US" dirty="0"/>
-              <a:t>, swig, </a:t>
-            </a:r>
-            <a:r>
-              <a:rPr lang="en-US" dirty="0" err="1"/>
-              <a:t>cpython</a:t>
-            </a:r>
-            <a:r>
-              <a:rPr lang="en-US" dirty="0"/>
-              <a:t>,…) </a:t>
-            </a:r>
-          </a:p>
-          <a:p>
-            <a:pPr lvl="1"/>
-            <a:endParaRPr lang="en-US" dirty="0"/>
-          </a:p>
-          <a:p>
-            <a:pPr lvl="1"/>
-            <a:endParaRPr lang="en-US" dirty="0"/>
-          </a:p>
-          <a:p>
-            <a:r>
-              <a:rPr lang="en-US" dirty="0"/>
-              <a:t>Some older programs/libraries might still use python 2 (</a:t>
-            </a:r>
-            <a:r>
-              <a:rPr lang="en-US" b="0" i="0" dirty="0">
-                <a:solidFill>
-                  <a:srgbClr val="202122"/>
-                </a:solidFill>
-                <a:effectLst/>
-                <a:latin typeface="Arial" panose="020B0604020202020204" pitchFamily="34" charset="0"/>
-              </a:rPr>
-              <a:t>discontinued </a:t>
-            </a:r>
-            <a:r>
-              <a:rPr lang="en-US" dirty="0"/>
-              <a:t>in 2020). If you have a choice stick to </a:t>
-            </a:r>
-            <a:r>
-              <a:rPr lang="en-US" b="1" dirty="0"/>
-              <a:t>python 3</a:t>
-            </a:r>
-            <a:r>
-              <a:rPr lang="en-US" dirty="0"/>
-              <a:t>+ (3.6+)</a:t>
-            </a:r>
-          </a:p>
-          <a:p>
-            <a:endParaRPr lang="en-US" dirty="0"/>
-          </a:p>
-        </p:txBody>
-      </p:sp>
-      <p:pic>
-        <p:nvPicPr>
-          <p:cNvPr id="3" name="Picture 2">
-            <a:extLst>
-              <a:ext uri="{FF2B5EF4-FFF2-40B4-BE49-F238E27FC236}">
-                <a16:creationId xmlns:a16="http://schemas.microsoft.com/office/drawing/2014/main" id="{B36D6B17-5980-4F94-8AA9-0071F1EDE5D2}"/>
-              </a:ext>
-            </a:extLst>
-          </p:cNvPr>
-          <p:cNvPicPr>
-            <a:picLocks noChangeAspect="1"/>
-          </p:cNvPicPr>
-          <p:nvPr/>
-        </p:nvPicPr>
-        <p:blipFill>
-          <a:blip r:embed="rId2"/>
-          <a:stretch>
-            <a:fillRect/>
-          </a:stretch>
-        </p:blipFill>
-        <p:spPr>
-          <a:xfrm>
-            <a:off x="237308" y="1058091"/>
-            <a:ext cx="5349240" cy="1783080"/>
-          </a:xfrm>
-          <a:prstGeom prst="rect">
-            <a:avLst/>
-          </a:prstGeom>
-        </p:spPr>
-      </p:pic>
-      <p:sp>
-        <p:nvSpPr>
-          <p:cNvPr id="6" name="Content Placeholder 4">
-            <a:extLst>
-              <a:ext uri="{FF2B5EF4-FFF2-40B4-BE49-F238E27FC236}">
-                <a16:creationId xmlns:a16="http://schemas.microsoft.com/office/drawing/2014/main" id="{A10DA966-B6CF-4BFC-91EA-B6510EE03669}"/>
-              </a:ext>
-            </a:extLst>
-          </p:cNvPr>
-          <p:cNvSpPr txBox="1">
-            <a:spLocks/>
-          </p:cNvSpPr>
-          <p:nvPr/>
-        </p:nvSpPr>
-        <p:spPr>
-          <a:xfrm>
-            <a:off x="143692" y="3429000"/>
-            <a:ext cx="5395718" cy="5290458"/>
-          </a:xfrm>
-          <a:prstGeom prst="rect">
-            <a:avLst/>
-          </a:prstGeom>
-        </p:spPr>
-        <p:txBody>
-          <a:bodyPr vert="horz" lIns="91440" tIns="45720" rIns="91440" bIns="45720" rtlCol="0">
-            <a:normAutofit/>
-          </a:bodyPr>
-          <a:lstStyle>
-            <a:lvl1pPr marL="182880" indent="-182880" algn="l" defTabSz="914400" rtl="0" eaLnBrk="1" latinLnBrk="0" hangingPunct="1">
-              <a:lnSpc>
-                <a:spcPct val="90000"/>
-              </a:lnSpc>
-              <a:spcBef>
-                <a:spcPts val="1200"/>
-              </a:spcBef>
-              <a:buClr>
-                <a:schemeClr val="accent1">
-                  <a:lumMod val="75000"/>
-                </a:schemeClr>
-              </a:buClr>
-              <a:buSzPct val="85000"/>
-              <a:buFont typeface="Wingdings" pitchFamily="2" charset="2"/>
-              <a:buChar char="§"/>
-              <a:defRPr sz="2000" kern="1200">
-                <a:solidFill>
-                  <a:schemeClr val="tx1"/>
-                </a:solidFill>
-                <a:latin typeface="+mn-lt"/>
-                <a:ea typeface="+mn-ea"/>
-                <a:cs typeface="+mn-cs"/>
-              </a:defRPr>
-            </a:lvl1pPr>
-            <a:lvl2pPr marL="457200" indent="-182880" algn="l" defTabSz="914400" rtl="0" eaLnBrk="1" latinLnBrk="0" hangingPunct="1">
-              <a:lnSpc>
-                <a:spcPct val="90000"/>
-              </a:lnSpc>
-              <a:spcBef>
-                <a:spcPts val="400"/>
-              </a:spcBef>
-              <a:spcAft>
-                <a:spcPts val="200"/>
-              </a:spcAft>
-              <a:buClr>
-                <a:schemeClr val="accent1">
-                  <a:lumMod val="75000"/>
-                </a:schemeClr>
-              </a:buClr>
-              <a:buSzPct val="85000"/>
-              <a:buFont typeface="Wingdings" pitchFamily="2" charset="2"/>
-              <a:buChar char="§"/>
-              <a:defRPr sz="1800" kern="1200">
-                <a:solidFill>
-                  <a:schemeClr val="tx1"/>
-                </a:solidFill>
-                <a:latin typeface="+mn-lt"/>
-                <a:ea typeface="+mn-ea"/>
-                <a:cs typeface="+mn-cs"/>
-              </a:defRPr>
-            </a:lvl2pPr>
-            <a:lvl3pPr marL="731520" indent="-182880" algn="l" defTabSz="914400" rtl="0" eaLnBrk="1" latinLnBrk="0" hangingPunct="1">
-              <a:lnSpc>
-                <a:spcPct val="90000"/>
-              </a:lnSpc>
-              <a:spcBef>
-                <a:spcPts val="400"/>
-              </a:spcBef>
-              <a:spcAft>
-                <a:spcPts val="200"/>
-              </a:spcAft>
-              <a:buClr>
-                <a:schemeClr val="accent1">
-                  <a:lumMod val="75000"/>
-                </a:schemeClr>
-              </a:buClr>
-              <a:buSzPct val="85000"/>
-              <a:buFont typeface="Wingdings" pitchFamily="2" charset="2"/>
-              <a:buChar char="§"/>
-              <a:defRPr sz="1600" kern="1200">
-                <a:solidFill>
-                  <a:schemeClr val="tx1"/>
-                </a:solidFill>
-                <a:latin typeface="+mn-lt"/>
-                <a:ea typeface="+mn-ea"/>
-                <a:cs typeface="+mn-cs"/>
-              </a:defRPr>
-            </a:lvl3pPr>
-            <a:lvl4pPr marL="1005840" indent="-182880" algn="l" defTabSz="914400" rtl="0" eaLnBrk="1" latinLnBrk="0" hangingPunct="1">
-              <a:lnSpc>
-                <a:spcPct val="90000"/>
-              </a:lnSpc>
-              <a:spcBef>
-                <a:spcPts val="400"/>
-              </a:spcBef>
-              <a:spcAft>
-                <a:spcPts val="200"/>
-              </a:spcAft>
-              <a:buClr>
-                <a:schemeClr val="accent1">
-                  <a:lumMod val="75000"/>
-                </a:schemeClr>
-              </a:buClr>
-              <a:buSzPct val="85000"/>
-              <a:buFont typeface="Wingdings" pitchFamily="2" charset="2"/>
-              <a:buChar char="§"/>
-              <a:defRPr sz="1600" kern="1200">
-                <a:solidFill>
-                  <a:schemeClr val="tx1"/>
-                </a:solidFill>
-                <a:latin typeface="+mn-lt"/>
-                <a:ea typeface="+mn-ea"/>
-                <a:cs typeface="+mn-cs"/>
-              </a:defRPr>
-            </a:lvl4pPr>
-            <a:lvl5pPr marL="1280160" indent="-182880" algn="l" defTabSz="914400" rtl="0" eaLnBrk="1" latinLnBrk="0" hangingPunct="1">
-              <a:lnSpc>
-                <a:spcPct val="90000"/>
-              </a:lnSpc>
-              <a:spcBef>
-                <a:spcPts val="400"/>
-              </a:spcBef>
-              <a:spcAft>
-                <a:spcPts val="200"/>
-              </a:spcAft>
-              <a:buClr>
-                <a:schemeClr val="accent1">
-                  <a:lumMod val="75000"/>
-                </a:schemeClr>
-              </a:buClr>
-              <a:buSzPct val="85000"/>
-              <a:buFont typeface="Wingdings" pitchFamily="2" charset="2"/>
-              <a:buChar char="§"/>
-              <a:defRPr sz="1600" kern="1200">
-                <a:solidFill>
-                  <a:schemeClr val="tx1"/>
-                </a:solidFill>
-                <a:latin typeface="+mn-lt"/>
-                <a:ea typeface="+mn-ea"/>
-                <a:cs typeface="+mn-cs"/>
-              </a:defRPr>
-            </a:lvl5pPr>
-            <a:lvl6pPr marL="1600000" indent="-228600" algn="l" defTabSz="914400" rtl="0" eaLnBrk="1" latinLnBrk="0" hangingPunct="1">
-              <a:lnSpc>
-                <a:spcPct val="90000"/>
-              </a:lnSpc>
-              <a:spcBef>
-                <a:spcPts val="400"/>
-              </a:spcBef>
-              <a:spcAft>
-                <a:spcPts val="200"/>
-              </a:spcAft>
-              <a:buClr>
-                <a:schemeClr val="accent1">
-                  <a:lumMod val="75000"/>
-                </a:schemeClr>
-              </a:buClr>
-              <a:buSzPct val="85000"/>
-              <a:buFont typeface="Wingdings" pitchFamily="2" charset="2"/>
-              <a:buChar char="§"/>
-              <a:defRPr sz="1600" kern="1200">
-                <a:solidFill>
-                  <a:schemeClr val="tx1"/>
-                </a:solidFill>
-                <a:latin typeface="+mn-lt"/>
-                <a:ea typeface="+mn-ea"/>
-                <a:cs typeface="+mn-cs"/>
-              </a:defRPr>
-            </a:lvl6pPr>
-            <a:lvl7pPr marL="1900000" indent="-228600" algn="l" defTabSz="914400" rtl="0" eaLnBrk="1" latinLnBrk="0" hangingPunct="1">
-              <a:lnSpc>
-                <a:spcPct val="90000"/>
-              </a:lnSpc>
-              <a:spcBef>
-                <a:spcPts val="400"/>
-              </a:spcBef>
-              <a:spcAft>
-                <a:spcPts val="200"/>
-              </a:spcAft>
-              <a:buClr>
-                <a:schemeClr val="accent1">
-                  <a:lumMod val="75000"/>
-                </a:schemeClr>
-              </a:buClr>
-              <a:buSzPct val="85000"/>
-              <a:buFont typeface="Wingdings" pitchFamily="2" charset="2"/>
-              <a:buChar char="§"/>
-              <a:defRPr sz="1600" kern="1200">
-                <a:solidFill>
-                  <a:schemeClr val="tx1"/>
-                </a:solidFill>
-                <a:latin typeface="+mn-lt"/>
-                <a:ea typeface="+mn-ea"/>
-                <a:cs typeface="+mn-cs"/>
-              </a:defRPr>
-            </a:lvl7pPr>
-            <a:lvl8pPr marL="2200000" indent="-228600" algn="l" defTabSz="914400" rtl="0" eaLnBrk="1" latinLnBrk="0" hangingPunct="1">
-              <a:lnSpc>
-                <a:spcPct val="90000"/>
-              </a:lnSpc>
-              <a:spcBef>
-                <a:spcPts val="400"/>
-              </a:spcBef>
-              <a:spcAft>
-                <a:spcPts val="200"/>
-              </a:spcAft>
-              <a:buClr>
-                <a:schemeClr val="accent1">
-                  <a:lumMod val="75000"/>
-                </a:schemeClr>
-              </a:buClr>
-              <a:buSzPct val="85000"/>
-              <a:buFont typeface="Wingdings" pitchFamily="2" charset="2"/>
-              <a:buChar char="§"/>
-              <a:defRPr sz="1600" kern="1200">
-                <a:solidFill>
-                  <a:schemeClr val="tx1"/>
-                </a:solidFill>
-                <a:latin typeface="+mn-lt"/>
-                <a:ea typeface="+mn-ea"/>
-                <a:cs typeface="+mn-cs"/>
-              </a:defRPr>
-            </a:lvl8pPr>
-            <a:lvl9pPr marL="2500000" indent="-228600" algn="l" defTabSz="914400" rtl="0" eaLnBrk="1" latinLnBrk="0" hangingPunct="1">
-              <a:lnSpc>
-                <a:spcPct val="90000"/>
-              </a:lnSpc>
-              <a:spcBef>
-                <a:spcPts val="400"/>
-              </a:spcBef>
-              <a:spcAft>
-                <a:spcPts val="200"/>
-              </a:spcAft>
-              <a:buClr>
-                <a:schemeClr val="accent1">
-                  <a:lumMod val="75000"/>
-                </a:schemeClr>
-              </a:buClr>
-              <a:buSzPct val="85000"/>
-              <a:buFont typeface="Wingdings" pitchFamily="2" charset="2"/>
-              <a:buChar char="§"/>
-              <a:defRPr sz="1600" kern="1200">
-                <a:solidFill>
-                  <a:schemeClr val="tx1"/>
-                </a:solidFill>
-                <a:latin typeface="+mn-lt"/>
-                <a:ea typeface="+mn-ea"/>
-                <a:cs typeface="+mn-cs"/>
-              </a:defRPr>
-            </a:lvl9pPr>
-          </a:lstStyle>
-          <a:p>
-            <a:r>
-              <a:rPr lang="en-US" dirty="0"/>
-              <a:t>Used in …</a:t>
-            </a:r>
-          </a:p>
-          <a:p>
-            <a:pPr lvl="1"/>
-            <a:r>
-              <a:rPr lang="en-US" dirty="0"/>
-              <a:t>Web</a:t>
-            </a:r>
-          </a:p>
-          <a:p>
-            <a:pPr lvl="2"/>
-            <a:r>
-              <a:rPr lang="en-US" dirty="0"/>
-              <a:t>Frameworks (</a:t>
-            </a:r>
-            <a:r>
-              <a:rPr lang="en-US" dirty="0" err="1"/>
-              <a:t>django</a:t>
-            </a:r>
-            <a:r>
-              <a:rPr lang="en-US" dirty="0"/>
-              <a:t>)</a:t>
-            </a:r>
-          </a:p>
-          <a:p>
-            <a:pPr lvl="1"/>
-            <a:r>
-              <a:rPr lang="en-US" dirty="0"/>
-              <a:t>Programs</a:t>
-            </a:r>
-          </a:p>
-          <a:p>
-            <a:pPr lvl="2"/>
-            <a:r>
-              <a:rPr lang="en-US" dirty="0"/>
-              <a:t>Command line</a:t>
-            </a:r>
-          </a:p>
-          <a:p>
-            <a:pPr lvl="2"/>
-            <a:r>
-              <a:rPr lang="en-US" dirty="0"/>
-              <a:t>GUI</a:t>
-            </a:r>
-          </a:p>
-          <a:p>
-            <a:pPr lvl="1"/>
-            <a:r>
-              <a:rPr lang="en-US" dirty="0"/>
-              <a:t>Scientific Calculations</a:t>
-            </a:r>
-          </a:p>
-          <a:p>
-            <a:pPr lvl="1"/>
-            <a:r>
-              <a:rPr lang="en-US" dirty="0"/>
-              <a:t>Data Analysis</a:t>
-            </a:r>
-          </a:p>
-          <a:p>
-            <a:pPr lvl="1"/>
-            <a:r>
-              <a:rPr lang="en-US" dirty="0"/>
-              <a:t>Education (particularly </a:t>
-            </a:r>
-            <a:r>
-              <a:rPr lang="en-US" dirty="0" err="1"/>
-              <a:t>jupyter</a:t>
-            </a:r>
-            <a:r>
-              <a:rPr lang="en-US" dirty="0"/>
-              <a:t> notebooks)</a:t>
-            </a:r>
-          </a:p>
-          <a:p>
-            <a:pPr lvl="1"/>
-            <a:r>
-              <a:rPr lang="en-US" dirty="0"/>
-              <a:t>Integration</a:t>
-            </a:r>
-          </a:p>
-          <a:p>
-            <a:endParaRPr lang="en-US" dirty="0"/>
-          </a:p>
-        </p:txBody>
-      </p:sp>
-    </p:spTree>
-    <p:extLst>
-      <p:ext uri="{BB962C8B-B14F-4D97-AF65-F5344CB8AC3E}">
-        <p14:creationId xmlns:p14="http://schemas.microsoft.com/office/powerpoint/2010/main" val="2287056762"/>
-      </p:ext>
-    </p:extLst>
-  </p:cSld>
-  <p:clrMapOvr>
-    <a:masterClrMapping/>
-  </p:clrMapOvr>
-</p:sld>
-</file>
-
-<file path=ppt/slides/slide6.xml><?xml version="1.0" encoding="utf-8"?>
-<p:sld xmlns:a="http://schemas.openxmlformats.org/drawingml/2006/main" xmlns:r="http://schemas.openxmlformats.org/officeDocument/2006/relationships" xmlns:p="http://schemas.openxmlformats.org/presentationml/2006/main">
-  <p:cSld>
-    <p:spTree>
-      <p:nvGrpSpPr>
-        <p:cNvPr id="1" name=""/>
-        <p:cNvGrpSpPr/>
-        <p:nvPr/>
-      </p:nvGrpSpPr>
-      <p:grpSpPr>
-        <a:xfrm>
-          <a:off x="0" y="0"/>
-          <a:ext cx="0" cy="0"/>
-          <a:chOff x="0" y="0"/>
-          <a:chExt cx="0" cy="0"/>
-        </a:xfrm>
-      </p:grpSpPr>
-      <p:sp>
-        <p:nvSpPr>
-          <p:cNvPr id="2" name="Title 1">
-            <a:extLst>
-              <a:ext uri="{FF2B5EF4-FFF2-40B4-BE49-F238E27FC236}">
-                <a16:creationId xmlns:a16="http://schemas.microsoft.com/office/drawing/2014/main" id="{32F70F65-6F2A-4185-A897-B6CB9CD3A263}"/>
-              </a:ext>
-            </a:extLst>
-          </p:cNvPr>
-          <p:cNvSpPr>
-            <a:spLocks noGrp="1"/>
-          </p:cNvSpPr>
-          <p:nvPr>
-            <p:ph type="title"/>
-          </p:nvPr>
-        </p:nvSpPr>
-        <p:spPr/>
-        <p:txBody>
-          <a:bodyPr>
-            <a:normAutofit fontScale="90000"/>
-          </a:bodyPr>
-          <a:lstStyle/>
-          <a:p>
-            <a:r>
-              <a:rPr lang="en-US" dirty="0"/>
-              <a:t>Python: Where to look for Docs/Help</a:t>
-            </a:r>
-          </a:p>
-        </p:txBody>
-      </p:sp>
-      <p:sp>
-        <p:nvSpPr>
-          <p:cNvPr id="5" name="Content Placeholder 4">
-            <a:extLst>
-              <a:ext uri="{FF2B5EF4-FFF2-40B4-BE49-F238E27FC236}">
-                <a16:creationId xmlns:a16="http://schemas.microsoft.com/office/drawing/2014/main" id="{6793DA37-8C04-4EFA-A84E-6F7BE3878248}"/>
-              </a:ext>
-            </a:extLst>
-          </p:cNvPr>
-          <p:cNvSpPr>
-            <a:spLocks noGrp="1"/>
-          </p:cNvSpPr>
-          <p:nvPr>
-            <p:ph sz="half" idx="2"/>
-          </p:nvPr>
-        </p:nvSpPr>
-        <p:spPr/>
-        <p:txBody>
-          <a:bodyPr/>
-          <a:lstStyle/>
-          <a:p>
-            <a:r>
-              <a:rPr lang="en-US" dirty="0">
-                <a:hlinkClick r:id="rId2"/>
-              </a:rPr>
-              <a:t>https://www.python.org/</a:t>
-            </a:r>
-            <a:r>
-              <a:rPr lang="en-US" dirty="0"/>
-              <a:t> – documentation and tutorials</a:t>
-            </a:r>
-          </a:p>
-          <a:p>
-            <a:pPr lvl="1"/>
-            <a:r>
-              <a:rPr lang="en-US" dirty="0"/>
-              <a:t>Language documentation</a:t>
-            </a:r>
-          </a:p>
-          <a:p>
-            <a:pPr lvl="1"/>
-            <a:r>
-              <a:rPr lang="en-US" dirty="0"/>
-              <a:t>Build-in library documentation</a:t>
-            </a:r>
-          </a:p>
-          <a:p>
-            <a:r>
-              <a:rPr lang="en-US" dirty="0"/>
-              <a:t>Documentation of the library</a:t>
-            </a:r>
-          </a:p>
-          <a:p>
-            <a:r>
-              <a:rPr lang="en-US" dirty="0">
-                <a:hlinkClick r:id="rId3"/>
-              </a:rPr>
-              <a:t>https://stackoverflow.com/</a:t>
-            </a:r>
-            <a:r>
-              <a:rPr lang="en-US" dirty="0"/>
-              <a:t> - Q and A from people around the world</a:t>
-            </a:r>
-          </a:p>
-          <a:p>
-            <a:r>
-              <a:rPr lang="en-US" dirty="0"/>
-              <a:t>Books</a:t>
-            </a:r>
-          </a:p>
-          <a:p>
-            <a:pPr lvl="1"/>
-            <a:r>
-              <a:rPr lang="en-US" dirty="0"/>
-              <a:t>The course one</a:t>
-            </a:r>
-          </a:p>
-          <a:p>
-            <a:pPr lvl="1"/>
-            <a:r>
-              <a:rPr lang="en-US" dirty="0"/>
-              <a:t>Find your own</a:t>
-            </a:r>
-          </a:p>
-          <a:p>
-            <a:r>
-              <a:rPr lang="en-US" dirty="0"/>
-              <a:t>Google it</a:t>
-            </a:r>
-          </a:p>
-        </p:txBody>
-      </p:sp>
-      <p:pic>
-        <p:nvPicPr>
-          <p:cNvPr id="14" name="Picture 13">
-            <a:extLst>
-              <a:ext uri="{FF2B5EF4-FFF2-40B4-BE49-F238E27FC236}">
-                <a16:creationId xmlns:a16="http://schemas.microsoft.com/office/drawing/2014/main" id="{A41330EF-56C6-4542-825B-7029CA473A2A}"/>
-              </a:ext>
-            </a:extLst>
-          </p:cNvPr>
-          <p:cNvPicPr>
-            <a:picLocks noChangeAspect="1"/>
-          </p:cNvPicPr>
-          <p:nvPr/>
-        </p:nvPicPr>
-        <p:blipFill>
-          <a:blip r:embed="rId4"/>
-          <a:stretch>
-            <a:fillRect/>
-          </a:stretch>
-        </p:blipFill>
-        <p:spPr>
-          <a:xfrm>
-            <a:off x="265068" y="1058091"/>
-            <a:ext cx="5005874" cy="3788229"/>
-          </a:xfrm>
-          <a:prstGeom prst="rect">
-            <a:avLst/>
-          </a:prstGeom>
-        </p:spPr>
-      </p:pic>
-    </p:spTree>
-    <p:extLst>
-      <p:ext uri="{BB962C8B-B14F-4D97-AF65-F5344CB8AC3E}">
-        <p14:creationId xmlns:p14="http://schemas.microsoft.com/office/powerpoint/2010/main" val="3124219289"/>
-      </p:ext>
-    </p:extLst>
-  </p:cSld>
-  <p:clrMapOvr>
-    <a:masterClrMapping/>
-  </p:clrMapOvr>
-</p:sld>
-</file>
-
-<file path=ppt/slides/slide7.xml><?xml version="1.0" encoding="utf-8"?>
-<p:sld xmlns:a="http://schemas.openxmlformats.org/drawingml/2006/main" xmlns:r="http://schemas.openxmlformats.org/officeDocument/2006/relationships" xmlns:p="http://schemas.openxmlformats.org/presentationml/2006/main">
-  <p:cSld>
-    <p:spTree>
-      <p:nvGrpSpPr>
-        <p:cNvPr id="1" name=""/>
-        <p:cNvGrpSpPr/>
-        <p:nvPr/>
-      </p:nvGrpSpPr>
-      <p:grpSpPr>
-        <a:xfrm>
-          <a:off x="0" y="0"/>
-          <a:ext cx="0" cy="0"/>
-          <a:chOff x="0" y="0"/>
-          <a:chExt cx="0" cy="0"/>
-        </a:xfrm>
-      </p:grpSpPr>
-      <p:sp>
-        <p:nvSpPr>
-          <p:cNvPr id="2" name="Title 1">
-            <a:extLst>
-              <a:ext uri="{FF2B5EF4-FFF2-40B4-BE49-F238E27FC236}">
-                <a16:creationId xmlns:a16="http://schemas.microsoft.com/office/drawing/2014/main" id="{32F70F65-6F2A-4185-A897-B6CB9CD3A263}"/>
-              </a:ext>
-            </a:extLst>
-          </p:cNvPr>
-          <p:cNvSpPr>
-            <a:spLocks noGrp="1"/>
-          </p:cNvSpPr>
-          <p:nvPr>
-            <p:ph type="title"/>
-          </p:nvPr>
-        </p:nvSpPr>
-        <p:spPr/>
-        <p:txBody>
-          <a:bodyPr/>
-          <a:lstStyle/>
-          <a:p>
-            <a:r>
-              <a:rPr lang="en-US" dirty="0"/>
-              <a:t>Python and Libraries</a:t>
-            </a:r>
-          </a:p>
-        </p:txBody>
-      </p:sp>
-      <p:graphicFrame>
-        <p:nvGraphicFramePr>
-          <p:cNvPr id="6" name="Content Placeholder 5">
-            <a:extLst>
-              <a:ext uri="{FF2B5EF4-FFF2-40B4-BE49-F238E27FC236}">
-                <a16:creationId xmlns:a16="http://schemas.microsoft.com/office/drawing/2014/main" id="{2FA122EF-DFE5-42D1-98CF-09F8C6EFA044}"/>
-              </a:ext>
-            </a:extLst>
-          </p:cNvPr>
-          <p:cNvGraphicFramePr>
-            <a:graphicFrameLocks noGrp="1"/>
-          </p:cNvGraphicFramePr>
-          <p:nvPr>
-            <p:ph sz="half" idx="1"/>
-            <p:extLst>
-              <p:ext uri="{D42A27DB-BD31-4B8C-83A1-F6EECF244321}">
-                <p14:modId xmlns:p14="http://schemas.microsoft.com/office/powerpoint/2010/main" val="1204229333"/>
-              </p:ext>
-            </p:extLst>
-          </p:nvPr>
-        </p:nvGraphicFramePr>
-        <p:xfrm>
-          <a:off x="508272" y="1439862"/>
-          <a:ext cx="4754563" cy="3978275"/>
-        </p:xfrm>
-        <a:graphic>
-          <a:graphicData uri="http://schemas.openxmlformats.org/drawingml/2006/diagram">
-            <dgm:relIds xmlns:dgm="http://schemas.openxmlformats.org/drawingml/2006/diagram" xmlns:r="http://schemas.openxmlformats.org/officeDocument/2006/relationships" r:dm="rId2" r:lo="rId3" r:qs="rId4" r:cs="rId5"/>
-          </a:graphicData>
-        </a:graphic>
-      </p:graphicFrame>
-      <p:sp>
-        <p:nvSpPr>
-          <p:cNvPr id="5" name="Content Placeholder 4">
-            <a:extLst>
-              <a:ext uri="{FF2B5EF4-FFF2-40B4-BE49-F238E27FC236}">
-                <a16:creationId xmlns:a16="http://schemas.microsoft.com/office/drawing/2014/main" id="{6793DA37-8C04-4EFA-A84E-6F7BE3878248}"/>
-              </a:ext>
-            </a:extLst>
-          </p:cNvPr>
-          <p:cNvSpPr>
-            <a:spLocks noGrp="1"/>
-          </p:cNvSpPr>
-          <p:nvPr>
-            <p:ph sz="half" idx="2"/>
-          </p:nvPr>
-        </p:nvSpPr>
-        <p:spPr/>
-        <p:txBody>
-          <a:bodyPr/>
-          <a:lstStyle/>
-          <a:p>
-            <a:r>
-              <a:rPr lang="en-US" dirty="0"/>
-              <a:t>Core Python – provides core language capabilities</a:t>
-            </a:r>
-          </a:p>
-          <a:p>
-            <a:r>
-              <a:rPr lang="en-US" dirty="0"/>
-              <a:t>Built-in libraries – add functionality for common programmatic tasks</a:t>
-            </a:r>
-          </a:p>
-          <a:p>
-            <a:pPr lvl="1"/>
-            <a:r>
-              <a:rPr lang="en-US" dirty="0"/>
-              <a:t>datetime – date and time</a:t>
-            </a:r>
-          </a:p>
-          <a:p>
-            <a:pPr lvl="1"/>
-            <a:r>
-              <a:rPr lang="en-US" dirty="0"/>
-              <a:t>re – regression expression</a:t>
-            </a:r>
-          </a:p>
-          <a:p>
-            <a:pPr lvl="1"/>
-            <a:r>
-              <a:rPr lang="en-US" dirty="0"/>
-              <a:t>sqllite3 - SQLite databases</a:t>
-            </a:r>
-          </a:p>
-          <a:p>
-            <a:r>
-              <a:rPr lang="en-US" dirty="0"/>
-              <a:t>Libraries – add custom functionality</a:t>
-            </a:r>
-          </a:p>
-          <a:p>
-            <a:pPr lvl="1"/>
-            <a:r>
-              <a:rPr lang="en-US" dirty="0"/>
-              <a:t>pandas – data analysis</a:t>
-            </a:r>
-          </a:p>
-          <a:p>
-            <a:pPr lvl="1"/>
-            <a:r>
-              <a:rPr lang="en-US" dirty="0"/>
-              <a:t>TensorFlow - neural network</a:t>
-            </a:r>
-          </a:p>
-        </p:txBody>
-      </p:sp>
-    </p:spTree>
-    <p:extLst>
-      <p:ext uri="{BB962C8B-B14F-4D97-AF65-F5344CB8AC3E}">
-        <p14:creationId xmlns:p14="http://schemas.microsoft.com/office/powerpoint/2010/main" val="1913380787"/>
-      </p:ext>
-    </p:extLst>
-  </p:cSld>
-  <p:clrMapOvr>
-    <a:masterClrMapping/>
-  </p:clrMapOvr>
-</p:sld>
-</file>
-
-<file path=ppt/slides/slide8.xml><?xml version="1.0" encoding="utf-8"?>
+<file path=ppt/slides/slide10.xml><?xml version="1.0" encoding="utf-8"?>
 <p:sld xmlns:a="http://schemas.openxmlformats.org/drawingml/2006/main" xmlns:r="http://schemas.openxmlformats.org/officeDocument/2006/relationships" xmlns:p="http://schemas.openxmlformats.org/presentationml/2006/main">
   <p:cSld>
     <p:spTree>
@@ -9358,7 +7469,7 @@
 </p:sld>
 </file>
 
-<file path=ppt/slides/slide9.xml><?xml version="1.0" encoding="utf-8"?>
+<file path=ppt/slides/slide11.xml><?xml version="1.0" encoding="utf-8"?>
 <p:sld xmlns:a="http://schemas.openxmlformats.org/drawingml/2006/main" xmlns:r="http://schemas.openxmlformats.org/officeDocument/2006/relationships" xmlns:p="http://schemas.openxmlformats.org/presentationml/2006/main">
   <p:cSld>
     <p:spTree>
@@ -10041,6 +8152,2299 @@
     <p:extLst>
       <p:ext uri="{BB962C8B-B14F-4D97-AF65-F5344CB8AC3E}">
         <p14:creationId xmlns:p14="http://schemas.microsoft.com/office/powerpoint/2010/main" val="4285113109"/>
+      </p:ext>
+    </p:extLst>
+  </p:cSld>
+  <p:clrMapOvr>
+    <a:masterClrMapping/>
+  </p:clrMapOvr>
+</p:sld>
+</file>
+
+<file path=ppt/slides/slide2.xml><?xml version="1.0" encoding="utf-8"?>
+<p:sld xmlns:a="http://schemas.openxmlformats.org/drawingml/2006/main" xmlns:r="http://schemas.openxmlformats.org/officeDocument/2006/relationships" xmlns:p="http://schemas.openxmlformats.org/presentationml/2006/main">
+  <p:cSld>
+    <p:bg>
+      <p:bgPr>
+        <a:solidFill>
+          <a:schemeClr val="bg1"/>
+        </a:solidFill>
+        <a:effectLst/>
+      </p:bgPr>
+    </p:bg>
+    <p:spTree>
+      <p:nvGrpSpPr>
+        <p:cNvPr id="1" name=""/>
+        <p:cNvGrpSpPr/>
+        <p:nvPr/>
+      </p:nvGrpSpPr>
+      <p:grpSpPr>
+        <a:xfrm>
+          <a:off x="0" y="0"/>
+          <a:ext cx="0" cy="0"/>
+          <a:chOff x="0" y="0"/>
+          <a:chExt cx="0" cy="0"/>
+        </a:xfrm>
+      </p:grpSpPr>
+      <p:sp useBgFill="1">
+        <p:nvSpPr>
+          <p:cNvPr id="8" name="Rectangle 7">
+            <a:extLst>
+              <a:ext uri="{FF2B5EF4-FFF2-40B4-BE49-F238E27FC236}">
+                <a16:creationId xmlns:a16="http://schemas.microsoft.com/office/drawing/2014/main" id="{5118BA95-03E7-41B7-B442-0AF8C0A7FF68}"/>
+              </a:ext>
+              <a:ext uri="{C183D7F6-B498-43B3-948B-1728B52AA6E4}">
+                <adec:decorative xmlns:adec="http://schemas.microsoft.com/office/drawing/2017/decorative" val="1"/>
+              </a:ext>
+            </a:extLst>
+          </p:cNvPr>
+          <p:cNvSpPr>
+            <a:spLocks noGrp="1" noRot="1" noChangeAspect="1" noMove="1" noResize="1" noEditPoints="1" noAdjustHandles="1" noChangeArrowheads="1" noChangeShapeType="1" noTextEdit="1"/>
+          </p:cNvSpPr>
+          <p:nvPr>
+            <p:extLst>
+              <p:ext uri="{386F3935-93C4-4BCD-93E2-E3B085C9AB24}">
+                <p16:designElem xmlns:p16="http://schemas.microsoft.com/office/powerpoint/2015/main" val="1"/>
+              </p:ext>
+            </p:extLst>
+          </p:nvPr>
+        </p:nvSpPr>
+        <p:spPr bwMode="white">
+          <a:xfrm>
+            <a:off x="3048" y="0"/>
+            <a:ext cx="12188952" cy="6858001"/>
+          </a:xfrm>
+          <a:prstGeom prst="rect">
+            <a:avLst/>
+          </a:prstGeom>
+          <a:ln>
+            <a:noFill/>
+          </a:ln>
+        </p:spPr>
+        <p:style>
+          <a:lnRef idx="2">
+            <a:schemeClr val="accent1">
+              <a:shade val="50000"/>
+            </a:schemeClr>
+          </a:lnRef>
+          <a:fillRef idx="1">
+            <a:schemeClr val="accent1"/>
+          </a:fillRef>
+          <a:effectRef idx="0">
+            <a:schemeClr val="accent1"/>
+          </a:effectRef>
+          <a:fontRef idx="minor">
+            <a:schemeClr val="lt1"/>
+          </a:fontRef>
+        </p:style>
+        <p:txBody>
+          <a:bodyPr rot="0" spcFirstLastPara="0" vert="horz" wrap="square" lIns="91440" tIns="45720" rIns="91440" bIns="45720" numCol="1" spcCol="0" rtlCol="0" fromWordArt="0" anchor="ctr" anchorCtr="0" forceAA="0" compatLnSpc="1">
+            <a:prstTxWarp prst="textNoShape">
+              <a:avLst/>
+            </a:prstTxWarp>
+            <a:noAutofit/>
+          </a:bodyPr>
+          <a:lstStyle>
+            <a:defPPr>
+              <a:defRPr lang="en-US"/>
+            </a:defPPr>
+            <a:lvl1pPr marL="0" algn="l" defTabSz="914400" rtl="0" eaLnBrk="1" latinLnBrk="0" hangingPunct="1">
+              <a:defRPr sz="1800" kern="1200">
+                <a:solidFill>
+                  <a:schemeClr val="lt1"/>
+                </a:solidFill>
+                <a:latin typeface="+mn-lt"/>
+                <a:ea typeface="+mn-ea"/>
+                <a:cs typeface="+mn-cs"/>
+              </a:defRPr>
+            </a:lvl1pPr>
+            <a:lvl2pPr marL="457200" algn="l" defTabSz="914400" rtl="0" eaLnBrk="1" latinLnBrk="0" hangingPunct="1">
+              <a:defRPr sz="1800" kern="1200">
+                <a:solidFill>
+                  <a:schemeClr val="lt1"/>
+                </a:solidFill>
+                <a:latin typeface="+mn-lt"/>
+                <a:ea typeface="+mn-ea"/>
+                <a:cs typeface="+mn-cs"/>
+              </a:defRPr>
+            </a:lvl2pPr>
+            <a:lvl3pPr marL="914400" algn="l" defTabSz="914400" rtl="0" eaLnBrk="1" latinLnBrk="0" hangingPunct="1">
+              <a:defRPr sz="1800" kern="1200">
+                <a:solidFill>
+                  <a:schemeClr val="lt1"/>
+                </a:solidFill>
+                <a:latin typeface="+mn-lt"/>
+                <a:ea typeface="+mn-ea"/>
+                <a:cs typeface="+mn-cs"/>
+              </a:defRPr>
+            </a:lvl3pPr>
+            <a:lvl4pPr marL="1371600" algn="l" defTabSz="914400" rtl="0" eaLnBrk="1" latinLnBrk="0" hangingPunct="1">
+              <a:defRPr sz="1800" kern="1200">
+                <a:solidFill>
+                  <a:schemeClr val="lt1"/>
+                </a:solidFill>
+                <a:latin typeface="+mn-lt"/>
+                <a:ea typeface="+mn-ea"/>
+                <a:cs typeface="+mn-cs"/>
+              </a:defRPr>
+            </a:lvl4pPr>
+            <a:lvl5pPr marL="1828800" algn="l" defTabSz="914400" rtl="0" eaLnBrk="1" latinLnBrk="0" hangingPunct="1">
+              <a:defRPr sz="1800" kern="1200">
+                <a:solidFill>
+                  <a:schemeClr val="lt1"/>
+                </a:solidFill>
+                <a:latin typeface="+mn-lt"/>
+                <a:ea typeface="+mn-ea"/>
+                <a:cs typeface="+mn-cs"/>
+              </a:defRPr>
+            </a:lvl5pPr>
+            <a:lvl6pPr marL="2286000" algn="l" defTabSz="914400" rtl="0" eaLnBrk="1" latinLnBrk="0" hangingPunct="1">
+              <a:defRPr sz="1800" kern="1200">
+                <a:solidFill>
+                  <a:schemeClr val="lt1"/>
+                </a:solidFill>
+                <a:latin typeface="+mn-lt"/>
+                <a:ea typeface="+mn-ea"/>
+                <a:cs typeface="+mn-cs"/>
+              </a:defRPr>
+            </a:lvl6pPr>
+            <a:lvl7pPr marL="2743200" algn="l" defTabSz="914400" rtl="0" eaLnBrk="1" latinLnBrk="0" hangingPunct="1">
+              <a:defRPr sz="1800" kern="1200">
+                <a:solidFill>
+                  <a:schemeClr val="lt1"/>
+                </a:solidFill>
+                <a:latin typeface="+mn-lt"/>
+                <a:ea typeface="+mn-ea"/>
+                <a:cs typeface="+mn-cs"/>
+              </a:defRPr>
+            </a:lvl7pPr>
+            <a:lvl8pPr marL="3200400" algn="l" defTabSz="914400" rtl="0" eaLnBrk="1" latinLnBrk="0" hangingPunct="1">
+              <a:defRPr sz="1800" kern="1200">
+                <a:solidFill>
+                  <a:schemeClr val="lt1"/>
+                </a:solidFill>
+                <a:latin typeface="+mn-lt"/>
+                <a:ea typeface="+mn-ea"/>
+                <a:cs typeface="+mn-cs"/>
+              </a:defRPr>
+            </a:lvl8pPr>
+            <a:lvl9pPr marL="3657600" algn="l" defTabSz="914400" rtl="0" eaLnBrk="1" latinLnBrk="0" hangingPunct="1">
+              <a:defRPr sz="1800" kern="1200">
+                <a:solidFill>
+                  <a:schemeClr val="lt1"/>
+                </a:solidFill>
+                <a:latin typeface="+mn-lt"/>
+                <a:ea typeface="+mn-ea"/>
+                <a:cs typeface="+mn-cs"/>
+              </a:defRPr>
+            </a:lvl9pPr>
+          </a:lstStyle>
+          <a:p>
+            <a:pPr algn="ctr"/>
+            <a:endParaRPr lang="en-US"/>
+          </a:p>
+        </p:txBody>
+      </p:sp>
+      <p:grpSp>
+        <p:nvGrpSpPr>
+          <p:cNvPr id="10" name="Group 9">
+            <a:extLst>
+              <a:ext uri="{FF2B5EF4-FFF2-40B4-BE49-F238E27FC236}">
+                <a16:creationId xmlns:a16="http://schemas.microsoft.com/office/drawing/2014/main" id="{E799C3D5-7D55-4046-808C-F290F456D6EF}"/>
+              </a:ext>
+              <a:ext uri="{C183D7F6-B498-43B3-948B-1728B52AA6E4}">
+                <adec:decorative xmlns:adec="http://schemas.microsoft.com/office/drawing/2017/decorative" val="1"/>
+              </a:ext>
+            </a:extLst>
+          </p:cNvPr>
+          <p:cNvGrpSpPr>
+            <a:grpSpLocks noGrp="1" noUngrp="1" noRot="1" noChangeAspect="1" noMove="1" noResize="1"/>
+          </p:cNvGrpSpPr>
+          <p:nvPr>
+            <p:extLst>
+              <p:ext uri="{386F3935-93C4-4BCD-93E2-E3B085C9AB24}">
+                <p16:designElem xmlns:p16="http://schemas.microsoft.com/office/powerpoint/2015/main" val="1"/>
+              </p:ext>
+            </p:extLst>
+          </p:nvPr>
+        </p:nvGrpSpPr>
+        <p:grpSpPr>
+          <a:xfrm>
+            <a:off x="1061035" y="1679569"/>
+            <a:ext cx="3498864" cy="3498858"/>
+            <a:chOff x="1061035" y="1679569"/>
+            <a:chExt cx="3498864" cy="3498858"/>
+          </a:xfrm>
+        </p:grpSpPr>
+        <p:sp>
+          <p:nvSpPr>
+            <p:cNvPr id="11" name="Oval 10">
+              <a:extLst>
+                <a:ext uri="{FF2B5EF4-FFF2-40B4-BE49-F238E27FC236}">
+                  <a16:creationId xmlns:a16="http://schemas.microsoft.com/office/drawing/2014/main" id="{059D8741-EAD6-41B1-A882-70D70FC35821}"/>
+                </a:ext>
+                <a:ext uri="{C183D7F6-B498-43B3-948B-1728B52AA6E4}">
+                  <adec:decorative xmlns:adec="http://schemas.microsoft.com/office/drawing/2017/decorative" val="1"/>
+                </a:ext>
+              </a:extLst>
+            </p:cNvPr>
+            <p:cNvSpPr/>
+            <p:nvPr>
+              <p:extLst>
+                <p:ext uri="{386F3935-93C4-4BCD-93E2-E3B085C9AB24}">
+                  <p16:designElem xmlns:p16="http://schemas.microsoft.com/office/powerpoint/2015/main" val="1"/>
+                </p:ext>
+              </p:extLst>
+            </p:nvPr>
+          </p:nvSpPr>
+          <p:spPr>
+            <a:xfrm>
+              <a:off x="1061035" y="1679569"/>
+              <a:ext cx="3498864" cy="3498858"/>
+            </a:xfrm>
+            <a:prstGeom prst="ellipse">
+              <a:avLst/>
+            </a:prstGeom>
+            <a:blipFill dpi="0" rotWithShape="1">
+              <a:blip r:embed="rId2">
+                <a:duotone>
+                  <a:schemeClr val="accent1">
+                    <a:shade val="45000"/>
+                    <a:satMod val="135000"/>
+                  </a:schemeClr>
+                  <a:prstClr val="white"/>
+                </a:duotone>
+                <a:extLst>
+                  <a:ext uri="{BEBA8EAE-BF5A-486C-A8C5-ECC9F3942E4B}">
+                    <a14:imgProps xmlns:a14="http://schemas.microsoft.com/office/drawing/2010/main">
+                      <a14:imgLayer r:embed="rId3">
+                        <a14:imgEffect>
+                          <a14:saturation sat="400000"/>
+                        </a14:imgEffect>
+                        <a14:imgEffect>
+                          <a14:brightnessContrast bright="-40000" contrast="40000"/>
+                        </a14:imgEffect>
+                      </a14:imgLayer>
+                    </a14:imgProps>
+                  </a:ext>
+                </a:extLst>
+              </a:blip>
+              <a:srcRect/>
+              <a:tile tx="0" ty="0" sx="85000" sy="85000" flip="none" algn="tl"/>
+            </a:blipFill>
+            <a:ln w="25400" cap="flat" cmpd="sng" algn="ctr">
+              <a:noFill/>
+              <a:prstDash val="solid"/>
+            </a:ln>
+            <a:effectLst/>
+          </p:spPr>
+          <p:txBody>
+            <a:bodyPr lIns="0" tIns="0" rIns="0" bIns="0" rtlCol="0" anchor="ctr"/>
+            <a:lstStyle/>
+            <a:p>
+              <a:pPr marL="0" marR="0" lvl="0" indent="0" algn="ctr" defTabSz="914400" eaLnBrk="1" fontAlgn="auto" latinLnBrk="0" hangingPunct="1">
+                <a:lnSpc>
+                  <a:spcPct val="100000"/>
+                </a:lnSpc>
+                <a:spcBef>
+                  <a:spcPts val="0"/>
+                </a:spcBef>
+                <a:spcAft>
+                  <a:spcPts val="0"/>
+                </a:spcAft>
+                <a:buClrTx/>
+                <a:buSzTx/>
+                <a:buFontTx/>
+                <a:buNone/>
+                <a:tabLst/>
+                <a:defRPr/>
+              </a:pPr>
+              <a:endParaRPr kumimoji="0" lang="en-US" sz="2000" b="0" i="0" u="none" strike="noStrike" kern="0" cap="none" spc="0" normalizeH="0" baseline="0" noProof="0" dirty="0">
+                <a:ln>
+                  <a:noFill/>
+                </a:ln>
+                <a:solidFill>
+                  <a:prstClr val="white"/>
+                </a:solidFill>
+                <a:effectLst/>
+                <a:uLnTx/>
+                <a:uFillTx/>
+                <a:latin typeface="Rockwell Extra Bold" pitchFamily="18" charset="0"/>
+                <a:ea typeface="+mn-ea"/>
+                <a:cs typeface="+mn-cs"/>
+              </a:endParaRPr>
+            </a:p>
+          </p:txBody>
+        </p:sp>
+        <p:sp>
+          <p:nvSpPr>
+            <p:cNvPr id="12" name="Oval 11">
+              <a:extLst>
+                <a:ext uri="{FF2B5EF4-FFF2-40B4-BE49-F238E27FC236}">
+                  <a16:creationId xmlns:a16="http://schemas.microsoft.com/office/drawing/2014/main" id="{45444F36-3103-4D11-A25F-C054D4606DA4}"/>
+                </a:ext>
+                <a:ext uri="{C183D7F6-B498-43B3-948B-1728B52AA6E4}">
+                  <adec:decorative xmlns:adec="http://schemas.microsoft.com/office/drawing/2017/decorative" val="1"/>
+                </a:ext>
+              </a:extLst>
+            </p:cNvPr>
+            <p:cNvSpPr/>
+            <p:nvPr>
+              <p:extLst>
+                <p:ext uri="{386F3935-93C4-4BCD-93E2-E3B085C9AB24}">
+                  <p16:designElem xmlns:p16="http://schemas.microsoft.com/office/powerpoint/2015/main" val="1"/>
+                </p:ext>
+              </p:extLst>
+            </p:nvPr>
+          </p:nvSpPr>
+          <p:spPr>
+            <a:xfrm>
+              <a:off x="1246134" y="1864667"/>
+              <a:ext cx="3128666" cy="3128662"/>
+            </a:xfrm>
+            <a:prstGeom prst="ellipse">
+              <a:avLst/>
+            </a:prstGeom>
+            <a:noFill/>
+            <a:ln w="25400" cap="flat" cmpd="sng" algn="ctr">
+              <a:solidFill>
+                <a:sysClr val="window" lastClr="FFFFFF"/>
+              </a:solidFill>
+              <a:prstDash val="solid"/>
+            </a:ln>
+            <a:effectLst/>
+          </p:spPr>
+          <p:txBody>
+            <a:bodyPr rtlCol="0" anchor="ctr"/>
+            <a:lstStyle/>
+            <a:p>
+              <a:pPr marL="0" marR="0" lvl="0" indent="0" algn="ctr" defTabSz="914400" eaLnBrk="1" fontAlgn="auto" latinLnBrk="0" hangingPunct="1">
+                <a:lnSpc>
+                  <a:spcPct val="100000"/>
+                </a:lnSpc>
+                <a:spcBef>
+                  <a:spcPts val="0"/>
+                </a:spcBef>
+                <a:spcAft>
+                  <a:spcPts val="0"/>
+                </a:spcAft>
+                <a:buClrTx/>
+                <a:buSzTx/>
+                <a:buFontTx/>
+                <a:buNone/>
+                <a:tabLst/>
+                <a:defRPr/>
+              </a:pPr>
+              <a:endParaRPr kumimoji="0" lang="en-US" sz="1800" b="0" i="0" u="none" strike="noStrike" kern="0" cap="none" spc="0" normalizeH="0" baseline="0" noProof="0" dirty="0">
+                <a:ln>
+                  <a:noFill/>
+                </a:ln>
+                <a:solidFill>
+                  <a:prstClr val="white"/>
+                </a:solidFill>
+                <a:effectLst/>
+                <a:uLnTx/>
+                <a:uFillTx/>
+                <a:latin typeface="Calibri"/>
+                <a:ea typeface="+mn-ea"/>
+                <a:cs typeface="+mn-cs"/>
+              </a:endParaRPr>
+            </a:p>
+          </p:txBody>
+        </p:sp>
+      </p:grpSp>
+      <p:sp>
+        <p:nvSpPr>
+          <p:cNvPr id="2" name="Title 1">
+            <a:extLst>
+              <a:ext uri="{FF2B5EF4-FFF2-40B4-BE49-F238E27FC236}">
+                <a16:creationId xmlns:a16="http://schemas.microsoft.com/office/drawing/2014/main" id="{A0C9C1B2-F4C7-4DEC-9767-533737A93DBE}"/>
+              </a:ext>
+            </a:extLst>
+          </p:cNvPr>
+          <p:cNvSpPr>
+            <a:spLocks noGrp="1"/>
+          </p:cNvSpPr>
+          <p:nvPr>
+            <p:ph type="title"/>
+          </p:nvPr>
+        </p:nvSpPr>
+        <p:spPr>
+          <a:xfrm>
+            <a:off x="1490145" y="2376862"/>
+            <a:ext cx="2640646" cy="2104273"/>
+          </a:xfrm>
+          <a:noFill/>
+        </p:spPr>
+        <p:txBody>
+          <a:bodyPr>
+            <a:normAutofit/>
+          </a:bodyPr>
+          <a:lstStyle/>
+          <a:p>
+            <a:pPr algn="ctr"/>
+            <a:r>
+              <a:rPr lang="en-US" sz="3000" dirty="0">
+                <a:solidFill>
+                  <a:srgbClr val="FFFFFF"/>
+                </a:solidFill>
+              </a:rPr>
+              <a:t>Outline</a:t>
+            </a:r>
+          </a:p>
+        </p:txBody>
+      </p:sp>
+      <p:sp>
+        <p:nvSpPr>
+          <p:cNvPr id="14" name="Rectangle 13">
+            <a:extLst>
+              <a:ext uri="{FF2B5EF4-FFF2-40B4-BE49-F238E27FC236}">
+                <a16:creationId xmlns:a16="http://schemas.microsoft.com/office/drawing/2014/main" id="{AD9B3EAD-A2B3-42C4-927C-3455E3E69EE6}"/>
+              </a:ext>
+              <a:ext uri="{C183D7F6-B498-43B3-948B-1728B52AA6E4}">
+                <adec:decorative xmlns:adec="http://schemas.microsoft.com/office/drawing/2017/decorative" val="1"/>
+              </a:ext>
+            </a:extLst>
+          </p:cNvPr>
+          <p:cNvSpPr>
+            <a:spLocks noGrp="1" noRot="1" noChangeAspect="1" noMove="1" noResize="1" noEditPoints="1" noAdjustHandles="1" noChangeArrowheads="1" noChangeShapeType="1" noTextEdit="1"/>
+          </p:cNvSpPr>
+          <p:nvPr>
+            <p:extLst>
+              <p:ext uri="{386F3935-93C4-4BCD-93E2-E3B085C9AB24}">
+                <p16:designElem xmlns:p16="http://schemas.microsoft.com/office/powerpoint/2015/main" val="1"/>
+              </p:ext>
+            </p:extLst>
+          </p:nvPr>
+        </p:nvSpPr>
+        <p:spPr>
+          <a:xfrm rot="5400000">
+            <a:off x="3502277" y="3388659"/>
+            <a:ext cx="3657600" cy="80683"/>
+          </a:xfrm>
+          <a:prstGeom prst="rect">
+            <a:avLst/>
+          </a:prstGeom>
+          <a:blipFill dpi="0" rotWithShape="1">
+            <a:blip r:embed="rId4">
+              <a:alphaModFix amt="85000"/>
+              <a:lum bright="70000" contrast="-70000"/>
+              <a:extLst>
+                <a:ext uri="{BEBA8EAE-BF5A-486C-A8C5-ECC9F3942E4B}">
+                  <a14:imgProps xmlns:a14="http://schemas.microsoft.com/office/drawing/2010/main">
+                    <a14:imgLayer r:embed="rId5">
+                      <a14:imgEffect>
+                        <a14:sharpenSoften amount="61000"/>
+                      </a14:imgEffect>
+                    </a14:imgLayer>
+                  </a14:imgProps>
+                </a:ext>
+                <a:ext uri="{28A0092B-C50C-407E-A947-70E740481C1C}">
+                  <a14:useLocalDpi xmlns:a14="http://schemas.microsoft.com/office/drawing/2010/main" val="0"/>
+                </a:ext>
+              </a:extLst>
+            </a:blip>
+            <a:srcRect/>
+            <a:tile tx="0" ty="-717550" sx="92000" sy="89000" flip="xy" algn="ctr"/>
+          </a:blipFill>
+          <a:ln>
+            <a:noFill/>
+          </a:ln>
+        </p:spPr>
+        <p:style>
+          <a:lnRef idx="2">
+            <a:schemeClr val="accent1">
+              <a:shade val="50000"/>
+            </a:schemeClr>
+          </a:lnRef>
+          <a:fillRef idx="1">
+            <a:schemeClr val="accent1"/>
+          </a:fillRef>
+          <a:effectRef idx="0">
+            <a:schemeClr val="accent1"/>
+          </a:effectRef>
+          <a:fontRef idx="minor">
+            <a:schemeClr val="lt1"/>
+          </a:fontRef>
+        </p:style>
+      </p:sp>
+      <p:sp>
+        <p:nvSpPr>
+          <p:cNvPr id="3" name="Content Placeholder 2">
+            <a:extLst>
+              <a:ext uri="{FF2B5EF4-FFF2-40B4-BE49-F238E27FC236}">
+                <a16:creationId xmlns:a16="http://schemas.microsoft.com/office/drawing/2014/main" id="{36CB96C1-0D53-4D09-BDE7-BD0663D8FAB6}"/>
+              </a:ext>
+            </a:extLst>
+          </p:cNvPr>
+          <p:cNvSpPr>
+            <a:spLocks noGrp="1"/>
+          </p:cNvSpPr>
+          <p:nvPr>
+            <p:ph idx="1"/>
+          </p:nvPr>
+        </p:nvSpPr>
+        <p:spPr>
+          <a:xfrm>
+            <a:off x="6081089" y="725394"/>
+            <a:ext cx="5142658" cy="5407212"/>
+          </a:xfrm>
+        </p:spPr>
+        <p:txBody>
+          <a:bodyPr anchor="ctr">
+            <a:normAutofit/>
+          </a:bodyPr>
+          <a:lstStyle/>
+          <a:p>
+            <a:r>
+              <a:rPr lang="en-US" dirty="0"/>
+              <a:t>Organizational (Syllabus)</a:t>
+            </a:r>
+          </a:p>
+          <a:p>
+            <a:r>
+              <a:rPr lang="en-US" dirty="0"/>
+              <a:t>Course Outline</a:t>
+            </a:r>
+          </a:p>
+          <a:p>
+            <a:r>
+              <a:rPr lang="en-US" dirty="0"/>
+              <a:t>Programming and Python Overview</a:t>
+            </a:r>
+          </a:p>
+        </p:txBody>
+      </p:sp>
+    </p:spTree>
+    <p:extLst>
+      <p:ext uri="{BB962C8B-B14F-4D97-AF65-F5344CB8AC3E}">
+        <p14:creationId xmlns:p14="http://schemas.microsoft.com/office/powerpoint/2010/main" val="687499007"/>
+      </p:ext>
+    </p:extLst>
+  </p:cSld>
+  <p:clrMapOvr>
+    <a:masterClrMapping/>
+  </p:clrMapOvr>
+</p:sld>
+</file>
+
+<file path=ppt/slides/slide3.xml><?xml version="1.0" encoding="utf-8"?>
+<p:sld xmlns:a="http://schemas.openxmlformats.org/drawingml/2006/main" xmlns:r="http://schemas.openxmlformats.org/officeDocument/2006/relationships" xmlns:p="http://schemas.openxmlformats.org/presentationml/2006/main">
+  <p:cSld>
+    <p:spTree>
+      <p:nvGrpSpPr>
+        <p:cNvPr id="1" name=""/>
+        <p:cNvGrpSpPr/>
+        <p:nvPr/>
+      </p:nvGrpSpPr>
+      <p:grpSpPr>
+        <a:xfrm>
+          <a:off x="0" y="0"/>
+          <a:ext cx="0" cy="0"/>
+          <a:chOff x="0" y="0"/>
+          <a:chExt cx="0" cy="0"/>
+        </a:xfrm>
+      </p:grpSpPr>
+      <p:sp>
+        <p:nvSpPr>
+          <p:cNvPr id="2" name="Title 1">
+            <a:extLst>
+              <a:ext uri="{FF2B5EF4-FFF2-40B4-BE49-F238E27FC236}">
+                <a16:creationId xmlns:a16="http://schemas.microsoft.com/office/drawing/2014/main" id="{A0C9C1B2-F4C7-4DEC-9767-533737A93DBE}"/>
+              </a:ext>
+            </a:extLst>
+          </p:cNvPr>
+          <p:cNvSpPr>
+            <a:spLocks noGrp="1"/>
+          </p:cNvSpPr>
+          <p:nvPr>
+            <p:ph type="title"/>
+          </p:nvPr>
+        </p:nvSpPr>
+        <p:spPr/>
+        <p:txBody>
+          <a:bodyPr/>
+          <a:lstStyle/>
+          <a:p>
+            <a:r>
+              <a:rPr lang="en-US" dirty="0" err="1"/>
+              <a:t>Civid-19</a:t>
+            </a:r>
+            <a:endParaRPr lang="en-US" dirty="0"/>
+          </a:p>
+        </p:txBody>
+      </p:sp>
+      <p:sp>
+        <p:nvSpPr>
+          <p:cNvPr id="6" name="Content Placeholder 5">
+            <a:extLst>
+              <a:ext uri="{FF2B5EF4-FFF2-40B4-BE49-F238E27FC236}">
+                <a16:creationId xmlns:a16="http://schemas.microsoft.com/office/drawing/2014/main" id="{B485E1E1-DC0C-4774-A117-ACE267CD7408}"/>
+              </a:ext>
+            </a:extLst>
+          </p:cNvPr>
+          <p:cNvSpPr>
+            <a:spLocks noGrp="1"/>
+          </p:cNvSpPr>
+          <p:nvPr>
+            <p:ph sz="half" idx="2"/>
+          </p:nvPr>
+        </p:nvSpPr>
+        <p:spPr>
+          <a:xfrm>
+            <a:off x="1530486" y="1213733"/>
+            <a:ext cx="9312612" cy="5290458"/>
+          </a:xfrm>
+        </p:spPr>
+        <p:txBody>
+          <a:bodyPr>
+            <a:normAutofit/>
+          </a:bodyPr>
+          <a:lstStyle/>
+          <a:p>
+            <a:r>
+              <a:rPr lang="en-US" sz="3200" dirty="0"/>
+              <a:t>Follow university policy/guidance</a:t>
+            </a:r>
+          </a:p>
+          <a:p>
+            <a:pPr lvl="1"/>
+            <a:r>
+              <a:rPr lang="en-US" sz="2800" dirty="0"/>
+              <a:t>All UB students are required to be fully vaccinated against COVID-19 to attend classes in-person</a:t>
+            </a:r>
+          </a:p>
+          <a:p>
+            <a:pPr lvl="1"/>
+            <a:r>
+              <a:rPr lang="en-US" sz="2800" dirty="0"/>
+              <a:t>Face Masks and Physical Distancing</a:t>
+            </a:r>
+          </a:p>
+          <a:p>
+            <a:pPr lvl="1"/>
+            <a:r>
+              <a:rPr lang="en-US" sz="2800" dirty="0"/>
+              <a:t>Daily Health Check</a:t>
+            </a:r>
+          </a:p>
+          <a:p>
+            <a:pPr lvl="1"/>
+            <a:r>
+              <a:rPr lang="en-US" sz="2800" dirty="0">
+                <a:hlinkClick r:id="rId2"/>
+              </a:rPr>
+              <a:t>https://www.buffalo.edu/coronavirus/latest-update.html</a:t>
+            </a:r>
+            <a:endParaRPr lang="en-US" sz="2800" dirty="0"/>
+          </a:p>
+          <a:p>
+            <a:pPr lvl="1"/>
+            <a:r>
+              <a:rPr lang="en-US" sz="2800" dirty="0">
+                <a:hlinkClick r:id="rId3"/>
+              </a:rPr>
+              <a:t>https://www.buffalo.edu/studentlife.html</a:t>
+            </a:r>
+            <a:endParaRPr lang="en-US" sz="2800" dirty="0"/>
+          </a:p>
+          <a:p>
+            <a:endParaRPr lang="en-US" sz="3200" dirty="0"/>
+          </a:p>
+          <a:p>
+            <a:r>
+              <a:rPr lang="en-US" sz="3200" dirty="0"/>
+              <a:t>If you are sick stay home!</a:t>
+            </a:r>
+          </a:p>
+        </p:txBody>
+      </p:sp>
+    </p:spTree>
+    <p:extLst>
+      <p:ext uri="{BB962C8B-B14F-4D97-AF65-F5344CB8AC3E}">
+        <p14:creationId xmlns:p14="http://schemas.microsoft.com/office/powerpoint/2010/main" val="2462711086"/>
+      </p:ext>
+    </p:extLst>
+  </p:cSld>
+  <p:clrMapOvr>
+    <a:masterClrMapping/>
+  </p:clrMapOvr>
+</p:sld>
+</file>
+
+<file path=ppt/slides/slide4.xml><?xml version="1.0" encoding="utf-8"?>
+<p:sld xmlns:a="http://schemas.openxmlformats.org/drawingml/2006/main" xmlns:r="http://schemas.openxmlformats.org/officeDocument/2006/relationships" xmlns:p="http://schemas.openxmlformats.org/presentationml/2006/main">
+  <p:cSld>
+    <p:spTree>
+      <p:nvGrpSpPr>
+        <p:cNvPr id="1" name=""/>
+        <p:cNvGrpSpPr/>
+        <p:nvPr/>
+      </p:nvGrpSpPr>
+      <p:grpSpPr>
+        <a:xfrm>
+          <a:off x="0" y="0"/>
+          <a:ext cx="0" cy="0"/>
+          <a:chOff x="0" y="0"/>
+          <a:chExt cx="0" cy="0"/>
+        </a:xfrm>
+      </p:grpSpPr>
+      <p:sp>
+        <p:nvSpPr>
+          <p:cNvPr id="2" name="Title 1">
+            <a:extLst>
+              <a:ext uri="{FF2B5EF4-FFF2-40B4-BE49-F238E27FC236}">
+                <a16:creationId xmlns:a16="http://schemas.microsoft.com/office/drawing/2014/main" id="{A0C9C1B2-F4C7-4DEC-9767-533737A93DBE}"/>
+              </a:ext>
+            </a:extLst>
+          </p:cNvPr>
+          <p:cNvSpPr>
+            <a:spLocks noGrp="1"/>
+          </p:cNvSpPr>
+          <p:nvPr>
+            <p:ph type="title"/>
+          </p:nvPr>
+        </p:nvSpPr>
+        <p:spPr/>
+        <p:txBody>
+          <a:bodyPr/>
+          <a:lstStyle/>
+          <a:p>
+            <a:r>
+              <a:rPr lang="en-US" dirty="0"/>
+              <a:t>Organizational</a:t>
+            </a:r>
+          </a:p>
+        </p:txBody>
+      </p:sp>
+      <p:sp>
+        <p:nvSpPr>
+          <p:cNvPr id="6" name="Content Placeholder 5">
+            <a:extLst>
+              <a:ext uri="{FF2B5EF4-FFF2-40B4-BE49-F238E27FC236}">
+                <a16:creationId xmlns:a16="http://schemas.microsoft.com/office/drawing/2014/main" id="{B485E1E1-DC0C-4774-A117-ACE267CD7408}"/>
+              </a:ext>
+            </a:extLst>
+          </p:cNvPr>
+          <p:cNvSpPr>
+            <a:spLocks noGrp="1"/>
+          </p:cNvSpPr>
+          <p:nvPr>
+            <p:ph sz="half" idx="2"/>
+          </p:nvPr>
+        </p:nvSpPr>
+        <p:spPr>
+          <a:xfrm>
+            <a:off x="3660865" y="1220218"/>
+            <a:ext cx="8422278" cy="5290458"/>
+          </a:xfrm>
+        </p:spPr>
+        <p:txBody>
+          <a:bodyPr>
+            <a:normAutofit/>
+          </a:bodyPr>
+          <a:lstStyle/>
+          <a:p>
+            <a:r>
+              <a:rPr lang="en-US" sz="2800" dirty="0">
+                <a:hlinkClick r:id="rId2"/>
+              </a:rPr>
+              <a:t>https://eas503.ccr.buffalo.edu</a:t>
+            </a:r>
+            <a:r>
+              <a:rPr lang="en-US" sz="2800" dirty="0"/>
+              <a:t> - homework, lab, project submission and </a:t>
+            </a:r>
+            <a:r>
+              <a:rPr lang="en-US" sz="2800" dirty="0" err="1"/>
+              <a:t>jupyter</a:t>
+            </a:r>
+            <a:r>
+              <a:rPr lang="en-US" sz="2800" dirty="0"/>
+              <a:t> notebook site </a:t>
+            </a:r>
+          </a:p>
+          <a:p>
+            <a:endParaRPr lang="en-US" sz="2800" dirty="0"/>
+          </a:p>
+          <a:p>
+            <a:r>
+              <a:rPr lang="en-US" sz="2800" dirty="0"/>
+              <a:t>GitHub account will be used for authentication on</a:t>
+            </a:r>
+          </a:p>
+          <a:p>
+            <a:pPr lvl="1"/>
+            <a:r>
+              <a:rPr lang="en-US" sz="2400" dirty="0"/>
+              <a:t>Set up your GitHub account (</a:t>
+            </a:r>
+            <a:r>
+              <a:rPr lang="en-US" sz="2400" dirty="0">
+                <a:hlinkClick r:id="rId3"/>
+              </a:rPr>
+              <a:t>https://github.com/</a:t>
+            </a:r>
+            <a:r>
+              <a:rPr lang="en-US" sz="2400" dirty="0"/>
+              <a:t>)</a:t>
+            </a:r>
+          </a:p>
+          <a:p>
+            <a:pPr lvl="1"/>
+            <a:endParaRPr lang="en-US" sz="2400" dirty="0"/>
+          </a:p>
+          <a:p>
+            <a:r>
+              <a:rPr lang="en-US" sz="2800" dirty="0"/>
+              <a:t>Complete Google Form at</a:t>
+            </a:r>
+          </a:p>
+          <a:p>
+            <a:pPr lvl="1"/>
+            <a:r>
+              <a:rPr lang="en-US" sz="2200" dirty="0">
+                <a:hlinkClick r:id="rId4"/>
+              </a:rPr>
+              <a:t>https://forms.gle/6pG6GzZru1WALPAt5</a:t>
+            </a:r>
+            <a:endParaRPr lang="en-US" sz="2200" dirty="0"/>
+          </a:p>
+          <a:p>
+            <a:pPr lvl="1"/>
+            <a:r>
+              <a:rPr lang="en-US" sz="2400" dirty="0"/>
+              <a:t>binds your UBIT username and GitHub</a:t>
+            </a:r>
+            <a:endParaRPr lang="en-US" sz="2200" dirty="0"/>
+          </a:p>
+          <a:p>
+            <a:pPr lvl="1"/>
+            <a:r>
+              <a:rPr lang="en-US" sz="2200" dirty="0"/>
+              <a:t>By September 2nd</a:t>
+            </a:r>
+          </a:p>
+          <a:p>
+            <a:endParaRPr lang="en-US" sz="2800" dirty="0"/>
+          </a:p>
+          <a:p>
+            <a:endParaRPr lang="en-US" sz="2800" dirty="0"/>
+          </a:p>
+        </p:txBody>
+      </p:sp>
+      <p:pic>
+        <p:nvPicPr>
+          <p:cNvPr id="3" name="Picture 2">
+            <a:extLst>
+              <a:ext uri="{FF2B5EF4-FFF2-40B4-BE49-F238E27FC236}">
+                <a16:creationId xmlns:a16="http://schemas.microsoft.com/office/drawing/2014/main" id="{EE2347F8-6E03-4D40-85A4-A7372BDB7DB1}"/>
+              </a:ext>
+            </a:extLst>
+          </p:cNvPr>
+          <p:cNvPicPr>
+            <a:picLocks noChangeAspect="1"/>
+          </p:cNvPicPr>
+          <p:nvPr/>
+        </p:nvPicPr>
+        <p:blipFill>
+          <a:blip r:embed="rId5"/>
+          <a:stretch>
+            <a:fillRect/>
+          </a:stretch>
+        </p:blipFill>
+        <p:spPr>
+          <a:xfrm>
+            <a:off x="217049" y="1024647"/>
+            <a:ext cx="2857500" cy="1600200"/>
+          </a:xfrm>
+          <a:prstGeom prst="rect">
+            <a:avLst/>
+          </a:prstGeom>
+        </p:spPr>
+      </p:pic>
+      <p:sp>
+        <p:nvSpPr>
+          <p:cNvPr id="9" name="TextBox 8">
+            <a:extLst>
+              <a:ext uri="{FF2B5EF4-FFF2-40B4-BE49-F238E27FC236}">
+                <a16:creationId xmlns:a16="http://schemas.microsoft.com/office/drawing/2014/main" id="{5CFC6398-A3A4-400C-9FDC-5BF13CE6D535}"/>
+              </a:ext>
+            </a:extLst>
+          </p:cNvPr>
+          <p:cNvSpPr txBox="1"/>
+          <p:nvPr/>
+        </p:nvSpPr>
+        <p:spPr>
+          <a:xfrm>
+            <a:off x="3048000" y="3245955"/>
+            <a:ext cx="6096000" cy="369332"/>
+          </a:xfrm>
+          <a:prstGeom prst="rect">
+            <a:avLst/>
+          </a:prstGeom>
+          <a:noFill/>
+        </p:spPr>
+        <p:txBody>
+          <a:bodyPr wrap="square">
+            <a:spAutoFit/>
+          </a:bodyPr>
+          <a:lstStyle/>
+          <a:p>
+            <a:endParaRPr lang="en-US" dirty="0"/>
+          </a:p>
+        </p:txBody>
+      </p:sp>
+      <p:pic>
+        <p:nvPicPr>
+          <p:cNvPr id="10" name="Picture 9">
+            <a:extLst>
+              <a:ext uri="{FF2B5EF4-FFF2-40B4-BE49-F238E27FC236}">
+                <a16:creationId xmlns:a16="http://schemas.microsoft.com/office/drawing/2014/main" id="{2B14A17D-3EA4-47F2-8607-263FB0C6C401}"/>
+              </a:ext>
+            </a:extLst>
+          </p:cNvPr>
+          <p:cNvPicPr>
+            <a:picLocks noChangeAspect="1"/>
+          </p:cNvPicPr>
+          <p:nvPr/>
+        </p:nvPicPr>
+        <p:blipFill>
+          <a:blip r:embed="rId6"/>
+          <a:stretch>
+            <a:fillRect/>
+          </a:stretch>
+        </p:blipFill>
+        <p:spPr>
+          <a:xfrm>
+            <a:off x="45599" y="2488717"/>
+            <a:ext cx="3200400" cy="1600200"/>
+          </a:xfrm>
+          <a:prstGeom prst="rect">
+            <a:avLst/>
+          </a:prstGeom>
+        </p:spPr>
+      </p:pic>
+    </p:spTree>
+    <p:extLst>
+      <p:ext uri="{BB962C8B-B14F-4D97-AF65-F5344CB8AC3E}">
+        <p14:creationId xmlns:p14="http://schemas.microsoft.com/office/powerpoint/2010/main" val="2165942220"/>
+      </p:ext>
+    </p:extLst>
+  </p:cSld>
+  <p:clrMapOvr>
+    <a:masterClrMapping/>
+  </p:clrMapOvr>
+</p:sld>
+</file>
+
+<file path=ppt/slides/slide5.xml><?xml version="1.0" encoding="utf-8"?>
+<p:sld xmlns:a="http://schemas.openxmlformats.org/drawingml/2006/main" xmlns:r="http://schemas.openxmlformats.org/officeDocument/2006/relationships" xmlns:p="http://schemas.openxmlformats.org/presentationml/2006/main">
+  <p:cSld>
+    <p:spTree>
+      <p:nvGrpSpPr>
+        <p:cNvPr id="1" name=""/>
+        <p:cNvGrpSpPr/>
+        <p:nvPr/>
+      </p:nvGrpSpPr>
+      <p:grpSpPr>
+        <a:xfrm>
+          <a:off x="0" y="0"/>
+          <a:ext cx="0" cy="0"/>
+          <a:chOff x="0" y="0"/>
+          <a:chExt cx="0" cy="0"/>
+        </a:xfrm>
+      </p:grpSpPr>
+      <p:sp>
+        <p:nvSpPr>
+          <p:cNvPr id="2" name="Title 1">
+            <a:extLst>
+              <a:ext uri="{FF2B5EF4-FFF2-40B4-BE49-F238E27FC236}">
+                <a16:creationId xmlns:a16="http://schemas.microsoft.com/office/drawing/2014/main" id="{A0C9C1B2-F4C7-4DEC-9767-533737A93DBE}"/>
+              </a:ext>
+            </a:extLst>
+          </p:cNvPr>
+          <p:cNvSpPr>
+            <a:spLocks noGrp="1"/>
+          </p:cNvSpPr>
+          <p:nvPr>
+            <p:ph type="title"/>
+          </p:nvPr>
+        </p:nvSpPr>
+        <p:spPr/>
+        <p:txBody>
+          <a:bodyPr/>
+          <a:lstStyle/>
+          <a:p>
+            <a:r>
+              <a:rPr lang="en-US" dirty="0"/>
+              <a:t>EAS 503 Course Waiver</a:t>
+            </a:r>
+          </a:p>
+        </p:txBody>
+      </p:sp>
+      <p:sp>
+        <p:nvSpPr>
+          <p:cNvPr id="6" name="Content Placeholder 5">
+            <a:extLst>
+              <a:ext uri="{FF2B5EF4-FFF2-40B4-BE49-F238E27FC236}">
+                <a16:creationId xmlns:a16="http://schemas.microsoft.com/office/drawing/2014/main" id="{B485E1E1-DC0C-4774-A117-ACE267CD7408}"/>
+              </a:ext>
+            </a:extLst>
+          </p:cNvPr>
+          <p:cNvSpPr>
+            <a:spLocks noGrp="1"/>
+          </p:cNvSpPr>
+          <p:nvPr>
+            <p:ph sz="half" idx="2"/>
+          </p:nvPr>
+        </p:nvSpPr>
+        <p:spPr>
+          <a:xfrm>
+            <a:off x="3660865" y="1220218"/>
+            <a:ext cx="7201687" cy="5290458"/>
+          </a:xfrm>
+        </p:spPr>
+        <p:txBody>
+          <a:bodyPr/>
+          <a:lstStyle/>
+          <a:p>
+            <a:r>
+              <a:rPr lang="en-US" dirty="0"/>
+              <a:t>If you good with python, databases, plotting and introductory machine learning then contact me to receive waiver assignment.</a:t>
+            </a:r>
+          </a:p>
+          <a:p>
+            <a:r>
+              <a:rPr lang="en-US" dirty="0"/>
+              <a:t>Complete it as soon as possible (recall class dropping deadline)!</a:t>
+            </a:r>
+          </a:p>
+          <a:p>
+            <a:endParaRPr lang="en-US" dirty="0"/>
+          </a:p>
+        </p:txBody>
+      </p:sp>
+    </p:spTree>
+    <p:extLst>
+      <p:ext uri="{BB962C8B-B14F-4D97-AF65-F5344CB8AC3E}">
+        <p14:creationId xmlns:p14="http://schemas.microsoft.com/office/powerpoint/2010/main" val="447939425"/>
+      </p:ext>
+    </p:extLst>
+  </p:cSld>
+  <p:clrMapOvr>
+    <a:masterClrMapping/>
+  </p:clrMapOvr>
+</p:sld>
+</file>
+
+<file path=ppt/slides/slide6.xml><?xml version="1.0" encoding="utf-8"?>
+<p:sld xmlns:a="http://schemas.openxmlformats.org/drawingml/2006/main" xmlns:r="http://schemas.openxmlformats.org/officeDocument/2006/relationships" xmlns:p="http://schemas.openxmlformats.org/presentationml/2006/main">
+  <p:cSld>
+    <p:spTree>
+      <p:nvGrpSpPr>
+        <p:cNvPr id="1" name=""/>
+        <p:cNvGrpSpPr/>
+        <p:nvPr/>
+      </p:nvGrpSpPr>
+      <p:grpSpPr>
+        <a:xfrm>
+          <a:off x="0" y="0"/>
+          <a:ext cx="0" cy="0"/>
+          <a:chOff x="0" y="0"/>
+          <a:chExt cx="0" cy="0"/>
+        </a:xfrm>
+      </p:grpSpPr>
+      <p:sp>
+        <p:nvSpPr>
+          <p:cNvPr id="2" name="Title 1">
+            <a:extLst>
+              <a:ext uri="{FF2B5EF4-FFF2-40B4-BE49-F238E27FC236}">
+                <a16:creationId xmlns:a16="http://schemas.microsoft.com/office/drawing/2014/main" id="{A0C9C1B2-F4C7-4DEC-9767-533737A93DBE}"/>
+              </a:ext>
+            </a:extLst>
+          </p:cNvPr>
+          <p:cNvSpPr>
+            <a:spLocks noGrp="1"/>
+          </p:cNvSpPr>
+          <p:nvPr>
+            <p:ph type="title"/>
+          </p:nvPr>
+        </p:nvSpPr>
+        <p:spPr/>
+        <p:txBody>
+          <a:bodyPr/>
+          <a:lstStyle/>
+          <a:p>
+            <a:r>
+              <a:rPr lang="en-US" dirty="0"/>
+              <a:t>Programming and Algorithms</a:t>
+            </a:r>
+          </a:p>
+        </p:txBody>
+      </p:sp>
+      <p:sp>
+        <p:nvSpPr>
+          <p:cNvPr id="6" name="Content Placeholder 5">
+            <a:extLst>
+              <a:ext uri="{FF2B5EF4-FFF2-40B4-BE49-F238E27FC236}">
+                <a16:creationId xmlns:a16="http://schemas.microsoft.com/office/drawing/2014/main" id="{B485E1E1-DC0C-4774-A117-ACE267CD7408}"/>
+              </a:ext>
+            </a:extLst>
+          </p:cNvPr>
+          <p:cNvSpPr>
+            <a:spLocks noGrp="1"/>
+          </p:cNvSpPr>
+          <p:nvPr>
+            <p:ph sz="half" idx="2"/>
+          </p:nvPr>
+        </p:nvSpPr>
+        <p:spPr>
+          <a:xfrm>
+            <a:off x="7178040" y="1058091"/>
+            <a:ext cx="4905102" cy="5290458"/>
+          </a:xfrm>
+        </p:spPr>
+        <p:txBody>
+          <a:bodyPr/>
+          <a:lstStyle/>
+          <a:p>
+            <a:r>
+              <a:rPr lang="en-US" dirty="0"/>
+              <a:t>Algorithm is a finite sequence of well-defined, computer-implementable instructions (</a:t>
+            </a:r>
+            <a:r>
+              <a:rPr lang="en-US" dirty="0" err="1"/>
+              <a:t>wikipedia</a:t>
+            </a:r>
+            <a:r>
+              <a:rPr lang="en-US" dirty="0"/>
+              <a:t>)</a:t>
+            </a:r>
+          </a:p>
+          <a:p>
+            <a:pPr lvl="1"/>
+            <a:r>
+              <a:rPr lang="en-US" dirty="0"/>
+              <a:t>Unambiguous</a:t>
+            </a:r>
+          </a:p>
+          <a:p>
+            <a:pPr lvl="1"/>
+            <a:r>
+              <a:rPr lang="en-US" dirty="0"/>
+              <a:t>More abstract than program</a:t>
+            </a:r>
+          </a:p>
+          <a:p>
+            <a:r>
+              <a:rPr lang="en-US" dirty="0"/>
+              <a:t>A program is a set of detailed step-by-step instructions to a computer.</a:t>
+            </a:r>
+          </a:p>
+          <a:p>
+            <a:pPr lvl="1"/>
+            <a:r>
+              <a:rPr lang="en-US" dirty="0"/>
+              <a:t>A particular implementation of an algorithm</a:t>
+            </a:r>
+          </a:p>
+          <a:p>
+            <a:endParaRPr lang="en-US" dirty="0"/>
+          </a:p>
+        </p:txBody>
+      </p:sp>
+      <p:pic>
+        <p:nvPicPr>
+          <p:cNvPr id="9" name="Picture 8">
+            <a:extLst>
+              <a:ext uri="{FF2B5EF4-FFF2-40B4-BE49-F238E27FC236}">
+                <a16:creationId xmlns:a16="http://schemas.microsoft.com/office/drawing/2014/main" id="{846E452D-C2A3-4E93-AF25-5977677C3B9F}"/>
+              </a:ext>
+            </a:extLst>
+          </p:cNvPr>
+          <p:cNvPicPr>
+            <a:picLocks noChangeAspect="1"/>
+          </p:cNvPicPr>
+          <p:nvPr/>
+        </p:nvPicPr>
+        <p:blipFill>
+          <a:blip r:embed="rId2"/>
+          <a:stretch>
+            <a:fillRect/>
+          </a:stretch>
+        </p:blipFill>
+        <p:spPr>
+          <a:xfrm>
+            <a:off x="143691" y="1538203"/>
+            <a:ext cx="2351315" cy="5290459"/>
+          </a:xfrm>
+          <a:prstGeom prst="rect">
+            <a:avLst/>
+          </a:prstGeom>
+        </p:spPr>
+      </p:pic>
+      <p:pic>
+        <p:nvPicPr>
+          <p:cNvPr id="11" name="Picture 10">
+            <a:extLst>
+              <a:ext uri="{FF2B5EF4-FFF2-40B4-BE49-F238E27FC236}">
+                <a16:creationId xmlns:a16="http://schemas.microsoft.com/office/drawing/2014/main" id="{3FA6B1D3-83D8-4F14-9580-111663DA5AF4}"/>
+              </a:ext>
+            </a:extLst>
+          </p:cNvPr>
+          <p:cNvPicPr>
+            <a:picLocks noChangeAspect="1"/>
+          </p:cNvPicPr>
+          <p:nvPr/>
+        </p:nvPicPr>
+        <p:blipFill>
+          <a:blip r:embed="rId3"/>
+          <a:stretch>
+            <a:fillRect/>
+          </a:stretch>
+        </p:blipFill>
+        <p:spPr>
+          <a:xfrm>
+            <a:off x="3166111" y="2422207"/>
+            <a:ext cx="3695700" cy="2562225"/>
+          </a:xfrm>
+          <a:prstGeom prst="rect">
+            <a:avLst/>
+          </a:prstGeom>
+        </p:spPr>
+      </p:pic>
+      <p:sp>
+        <p:nvSpPr>
+          <p:cNvPr id="14" name="TextBox 13">
+            <a:extLst>
+              <a:ext uri="{FF2B5EF4-FFF2-40B4-BE49-F238E27FC236}">
+                <a16:creationId xmlns:a16="http://schemas.microsoft.com/office/drawing/2014/main" id="{7F70D026-6632-4883-9636-1DB3425428F6}"/>
+              </a:ext>
+            </a:extLst>
+          </p:cNvPr>
+          <p:cNvSpPr txBox="1"/>
+          <p:nvPr/>
+        </p:nvSpPr>
+        <p:spPr>
+          <a:xfrm>
+            <a:off x="108858" y="1161811"/>
+            <a:ext cx="1262742" cy="369332"/>
+          </a:xfrm>
+          <a:prstGeom prst="rect">
+            <a:avLst/>
+          </a:prstGeom>
+          <a:noFill/>
+        </p:spPr>
+        <p:txBody>
+          <a:bodyPr wrap="square" rtlCol="0">
+            <a:spAutoFit/>
+          </a:bodyPr>
+          <a:lstStyle/>
+          <a:p>
+            <a:r>
+              <a:rPr lang="en-US" i="1" dirty="0"/>
+              <a:t>Flowchart:</a:t>
+            </a:r>
+          </a:p>
+        </p:txBody>
+      </p:sp>
+      <p:sp>
+        <p:nvSpPr>
+          <p:cNvPr id="15" name="TextBox 14">
+            <a:extLst>
+              <a:ext uri="{FF2B5EF4-FFF2-40B4-BE49-F238E27FC236}">
+                <a16:creationId xmlns:a16="http://schemas.microsoft.com/office/drawing/2014/main" id="{CD378650-0509-49F3-B3B0-225823DA16CA}"/>
+              </a:ext>
+            </a:extLst>
+          </p:cNvPr>
+          <p:cNvSpPr txBox="1"/>
+          <p:nvPr/>
+        </p:nvSpPr>
+        <p:spPr>
+          <a:xfrm>
+            <a:off x="2987585" y="2119136"/>
+            <a:ext cx="1556703" cy="369332"/>
+          </a:xfrm>
+          <a:prstGeom prst="rect">
+            <a:avLst/>
+          </a:prstGeom>
+          <a:noFill/>
+        </p:spPr>
+        <p:txBody>
+          <a:bodyPr wrap="square" rtlCol="0">
+            <a:spAutoFit/>
+          </a:bodyPr>
+          <a:lstStyle/>
+          <a:p>
+            <a:r>
+              <a:rPr lang="en-US" i="1" dirty="0"/>
+              <a:t>Pseudocode:</a:t>
+            </a:r>
+          </a:p>
+        </p:txBody>
+      </p:sp>
+    </p:spTree>
+    <p:extLst>
+      <p:ext uri="{BB962C8B-B14F-4D97-AF65-F5344CB8AC3E}">
+        <p14:creationId xmlns:p14="http://schemas.microsoft.com/office/powerpoint/2010/main" val="1680011042"/>
+      </p:ext>
+    </p:extLst>
+  </p:cSld>
+  <p:clrMapOvr>
+    <a:masterClrMapping/>
+  </p:clrMapOvr>
+</p:sld>
+</file>
+
+<file path=ppt/slides/slide7.xml><?xml version="1.0" encoding="utf-8"?>
+<p:sld xmlns:a="http://schemas.openxmlformats.org/drawingml/2006/main" xmlns:r="http://schemas.openxmlformats.org/officeDocument/2006/relationships" xmlns:p="http://schemas.openxmlformats.org/presentationml/2006/main">
+  <p:cSld>
+    <p:spTree>
+      <p:nvGrpSpPr>
+        <p:cNvPr id="1" name=""/>
+        <p:cNvGrpSpPr/>
+        <p:nvPr/>
+      </p:nvGrpSpPr>
+      <p:grpSpPr>
+        <a:xfrm>
+          <a:off x="0" y="0"/>
+          <a:ext cx="0" cy="0"/>
+          <a:chOff x="0" y="0"/>
+          <a:chExt cx="0" cy="0"/>
+        </a:xfrm>
+      </p:grpSpPr>
+      <p:sp>
+        <p:nvSpPr>
+          <p:cNvPr id="2" name="Title 1">
+            <a:extLst>
+              <a:ext uri="{FF2B5EF4-FFF2-40B4-BE49-F238E27FC236}">
+                <a16:creationId xmlns:a16="http://schemas.microsoft.com/office/drawing/2014/main" id="{32F70F65-6F2A-4185-A897-B6CB9CD3A263}"/>
+              </a:ext>
+            </a:extLst>
+          </p:cNvPr>
+          <p:cNvSpPr>
+            <a:spLocks noGrp="1"/>
+          </p:cNvSpPr>
+          <p:nvPr>
+            <p:ph type="title"/>
+          </p:nvPr>
+        </p:nvSpPr>
+        <p:spPr/>
+        <p:txBody>
+          <a:bodyPr>
+            <a:noAutofit/>
+          </a:bodyPr>
+          <a:lstStyle/>
+          <a:p>
+            <a:r>
+              <a:rPr lang="en-US" sz="3200" dirty="0"/>
+              <a:t>Python: General Purpose Programming Language</a:t>
+            </a:r>
+          </a:p>
+        </p:txBody>
+      </p:sp>
+      <p:sp>
+        <p:nvSpPr>
+          <p:cNvPr id="5" name="Content Placeholder 4">
+            <a:extLst>
+              <a:ext uri="{FF2B5EF4-FFF2-40B4-BE49-F238E27FC236}">
+                <a16:creationId xmlns:a16="http://schemas.microsoft.com/office/drawing/2014/main" id="{6793DA37-8C04-4EFA-A84E-6F7BE3878248}"/>
+              </a:ext>
+            </a:extLst>
+          </p:cNvPr>
+          <p:cNvSpPr>
+            <a:spLocks noGrp="1"/>
+          </p:cNvSpPr>
+          <p:nvPr>
+            <p:ph sz="half" idx="2"/>
+          </p:nvPr>
+        </p:nvSpPr>
+        <p:spPr/>
+        <p:txBody>
+          <a:bodyPr>
+            <a:normAutofit fontScale="92500" lnSpcReduction="10000"/>
+          </a:bodyPr>
+          <a:lstStyle/>
+          <a:p>
+            <a:r>
+              <a:rPr lang="en-US" sz="2000" dirty="0"/>
+              <a:t>Python</a:t>
+            </a:r>
+          </a:p>
+          <a:p>
+            <a:pPr lvl="1"/>
+            <a:r>
+              <a:rPr lang="en-US" dirty="0"/>
+              <a:t>General Purpose</a:t>
+            </a:r>
+          </a:p>
+          <a:p>
+            <a:pPr lvl="1"/>
+            <a:r>
+              <a:rPr lang="en-US" dirty="0"/>
+              <a:t>High level</a:t>
+            </a:r>
+          </a:p>
+          <a:p>
+            <a:pPr lvl="2"/>
+            <a:r>
+              <a:rPr lang="en-US" dirty="0"/>
+              <a:t>Functional and Object-Oriented programming</a:t>
+            </a:r>
+          </a:p>
+          <a:p>
+            <a:pPr lvl="1"/>
+            <a:r>
+              <a:rPr lang="en-US" dirty="0"/>
+              <a:t>Multiplatform</a:t>
+            </a:r>
+          </a:p>
+          <a:p>
+            <a:pPr lvl="2"/>
+            <a:r>
+              <a:rPr lang="en-US" dirty="0"/>
+              <a:t>Run everywhere</a:t>
+            </a:r>
+          </a:p>
+          <a:p>
+            <a:pPr lvl="1"/>
+            <a:r>
+              <a:rPr lang="en-US" dirty="0"/>
+              <a:t>Interpreted</a:t>
+            </a:r>
+          </a:p>
+          <a:p>
+            <a:pPr lvl="2"/>
+            <a:r>
+              <a:rPr lang="en-US" dirty="0"/>
+              <a:t>No need to compile</a:t>
+            </a:r>
+          </a:p>
+          <a:p>
+            <a:pPr lvl="2"/>
+            <a:r>
+              <a:rPr lang="en-US" dirty="0"/>
+              <a:t>Can be slow on itself (use optimized libraries)</a:t>
+            </a:r>
+          </a:p>
+          <a:p>
+            <a:pPr lvl="1"/>
+            <a:r>
+              <a:rPr lang="en-US" dirty="0"/>
+              <a:t>Written in C</a:t>
+            </a:r>
+          </a:p>
+          <a:p>
+            <a:pPr lvl="1"/>
+            <a:r>
+              <a:rPr lang="en-US" dirty="0"/>
+              <a:t>Programs and libraries can be optimized to use modern CPUs and GPUs</a:t>
+            </a:r>
+          </a:p>
+          <a:p>
+            <a:pPr lvl="2"/>
+            <a:r>
+              <a:rPr lang="en-US" dirty="0"/>
+              <a:t>Support number of way to integrate high preforming code (</a:t>
+            </a:r>
+            <a:r>
+              <a:rPr lang="en-US" dirty="0" err="1"/>
+              <a:t>cython</a:t>
+            </a:r>
+            <a:r>
+              <a:rPr lang="en-US" dirty="0"/>
+              <a:t>, swig, </a:t>
+            </a:r>
+            <a:r>
+              <a:rPr lang="en-US" dirty="0" err="1"/>
+              <a:t>cpython</a:t>
+            </a:r>
+            <a:r>
+              <a:rPr lang="en-US" dirty="0"/>
+              <a:t>,…) </a:t>
+            </a:r>
+          </a:p>
+          <a:p>
+            <a:pPr lvl="1"/>
+            <a:endParaRPr lang="en-US" dirty="0"/>
+          </a:p>
+          <a:p>
+            <a:pPr lvl="1"/>
+            <a:endParaRPr lang="en-US" dirty="0"/>
+          </a:p>
+          <a:p>
+            <a:r>
+              <a:rPr lang="en-US" dirty="0"/>
+              <a:t>Some older programs/libraries might still use python 2 (</a:t>
+            </a:r>
+            <a:r>
+              <a:rPr lang="en-US" b="0" i="0" dirty="0">
+                <a:solidFill>
+                  <a:srgbClr val="202122"/>
+                </a:solidFill>
+                <a:effectLst/>
+                <a:latin typeface="Arial" panose="020B0604020202020204" pitchFamily="34" charset="0"/>
+              </a:rPr>
+              <a:t>discontinued </a:t>
+            </a:r>
+            <a:r>
+              <a:rPr lang="en-US" dirty="0"/>
+              <a:t>in 2020). If you have a choice stick to </a:t>
+            </a:r>
+            <a:r>
+              <a:rPr lang="en-US" b="1" dirty="0"/>
+              <a:t>python 3</a:t>
+            </a:r>
+            <a:r>
+              <a:rPr lang="en-US" dirty="0"/>
+              <a:t>+ (3.6+)</a:t>
+            </a:r>
+          </a:p>
+          <a:p>
+            <a:endParaRPr lang="en-US" dirty="0"/>
+          </a:p>
+        </p:txBody>
+      </p:sp>
+      <p:pic>
+        <p:nvPicPr>
+          <p:cNvPr id="3" name="Picture 2">
+            <a:extLst>
+              <a:ext uri="{FF2B5EF4-FFF2-40B4-BE49-F238E27FC236}">
+                <a16:creationId xmlns:a16="http://schemas.microsoft.com/office/drawing/2014/main" id="{B36D6B17-5980-4F94-8AA9-0071F1EDE5D2}"/>
+              </a:ext>
+            </a:extLst>
+          </p:cNvPr>
+          <p:cNvPicPr>
+            <a:picLocks noChangeAspect="1"/>
+          </p:cNvPicPr>
+          <p:nvPr/>
+        </p:nvPicPr>
+        <p:blipFill>
+          <a:blip r:embed="rId2"/>
+          <a:stretch>
+            <a:fillRect/>
+          </a:stretch>
+        </p:blipFill>
+        <p:spPr>
+          <a:xfrm>
+            <a:off x="237308" y="1058091"/>
+            <a:ext cx="5349240" cy="1783080"/>
+          </a:xfrm>
+          <a:prstGeom prst="rect">
+            <a:avLst/>
+          </a:prstGeom>
+        </p:spPr>
+      </p:pic>
+      <p:sp>
+        <p:nvSpPr>
+          <p:cNvPr id="6" name="Content Placeholder 4">
+            <a:extLst>
+              <a:ext uri="{FF2B5EF4-FFF2-40B4-BE49-F238E27FC236}">
+                <a16:creationId xmlns:a16="http://schemas.microsoft.com/office/drawing/2014/main" id="{A10DA966-B6CF-4BFC-91EA-B6510EE03669}"/>
+              </a:ext>
+            </a:extLst>
+          </p:cNvPr>
+          <p:cNvSpPr txBox="1">
+            <a:spLocks/>
+          </p:cNvSpPr>
+          <p:nvPr/>
+        </p:nvSpPr>
+        <p:spPr>
+          <a:xfrm>
+            <a:off x="143692" y="3429000"/>
+            <a:ext cx="5395718" cy="5290458"/>
+          </a:xfrm>
+          <a:prstGeom prst="rect">
+            <a:avLst/>
+          </a:prstGeom>
+        </p:spPr>
+        <p:txBody>
+          <a:bodyPr vert="horz" lIns="91440" tIns="45720" rIns="91440" bIns="45720" rtlCol="0">
+            <a:normAutofit/>
+          </a:bodyPr>
+          <a:lstStyle>
+            <a:lvl1pPr marL="182880" indent="-182880" algn="l" defTabSz="914400" rtl="0" eaLnBrk="1" latinLnBrk="0" hangingPunct="1">
+              <a:lnSpc>
+                <a:spcPct val="90000"/>
+              </a:lnSpc>
+              <a:spcBef>
+                <a:spcPts val="1200"/>
+              </a:spcBef>
+              <a:buClr>
+                <a:schemeClr val="accent1">
+                  <a:lumMod val="75000"/>
+                </a:schemeClr>
+              </a:buClr>
+              <a:buSzPct val="85000"/>
+              <a:buFont typeface="Wingdings" pitchFamily="2" charset="2"/>
+              <a:buChar char="§"/>
+              <a:defRPr sz="2000" kern="1200">
+                <a:solidFill>
+                  <a:schemeClr val="tx1"/>
+                </a:solidFill>
+                <a:latin typeface="+mn-lt"/>
+                <a:ea typeface="+mn-ea"/>
+                <a:cs typeface="+mn-cs"/>
+              </a:defRPr>
+            </a:lvl1pPr>
+            <a:lvl2pPr marL="457200" indent="-182880" algn="l" defTabSz="914400" rtl="0" eaLnBrk="1" latinLnBrk="0" hangingPunct="1">
+              <a:lnSpc>
+                <a:spcPct val="90000"/>
+              </a:lnSpc>
+              <a:spcBef>
+                <a:spcPts val="400"/>
+              </a:spcBef>
+              <a:spcAft>
+                <a:spcPts val="200"/>
+              </a:spcAft>
+              <a:buClr>
+                <a:schemeClr val="accent1">
+                  <a:lumMod val="75000"/>
+                </a:schemeClr>
+              </a:buClr>
+              <a:buSzPct val="85000"/>
+              <a:buFont typeface="Wingdings" pitchFamily="2" charset="2"/>
+              <a:buChar char="§"/>
+              <a:defRPr sz="1800" kern="1200">
+                <a:solidFill>
+                  <a:schemeClr val="tx1"/>
+                </a:solidFill>
+                <a:latin typeface="+mn-lt"/>
+                <a:ea typeface="+mn-ea"/>
+                <a:cs typeface="+mn-cs"/>
+              </a:defRPr>
+            </a:lvl2pPr>
+            <a:lvl3pPr marL="731520" indent="-182880" algn="l" defTabSz="914400" rtl="0" eaLnBrk="1" latinLnBrk="0" hangingPunct="1">
+              <a:lnSpc>
+                <a:spcPct val="90000"/>
+              </a:lnSpc>
+              <a:spcBef>
+                <a:spcPts val="400"/>
+              </a:spcBef>
+              <a:spcAft>
+                <a:spcPts val="200"/>
+              </a:spcAft>
+              <a:buClr>
+                <a:schemeClr val="accent1">
+                  <a:lumMod val="75000"/>
+                </a:schemeClr>
+              </a:buClr>
+              <a:buSzPct val="85000"/>
+              <a:buFont typeface="Wingdings" pitchFamily="2" charset="2"/>
+              <a:buChar char="§"/>
+              <a:defRPr sz="1600" kern="1200">
+                <a:solidFill>
+                  <a:schemeClr val="tx1"/>
+                </a:solidFill>
+                <a:latin typeface="+mn-lt"/>
+                <a:ea typeface="+mn-ea"/>
+                <a:cs typeface="+mn-cs"/>
+              </a:defRPr>
+            </a:lvl3pPr>
+            <a:lvl4pPr marL="1005840" indent="-182880" algn="l" defTabSz="914400" rtl="0" eaLnBrk="1" latinLnBrk="0" hangingPunct="1">
+              <a:lnSpc>
+                <a:spcPct val="90000"/>
+              </a:lnSpc>
+              <a:spcBef>
+                <a:spcPts val="400"/>
+              </a:spcBef>
+              <a:spcAft>
+                <a:spcPts val="200"/>
+              </a:spcAft>
+              <a:buClr>
+                <a:schemeClr val="accent1">
+                  <a:lumMod val="75000"/>
+                </a:schemeClr>
+              </a:buClr>
+              <a:buSzPct val="85000"/>
+              <a:buFont typeface="Wingdings" pitchFamily="2" charset="2"/>
+              <a:buChar char="§"/>
+              <a:defRPr sz="1600" kern="1200">
+                <a:solidFill>
+                  <a:schemeClr val="tx1"/>
+                </a:solidFill>
+                <a:latin typeface="+mn-lt"/>
+                <a:ea typeface="+mn-ea"/>
+                <a:cs typeface="+mn-cs"/>
+              </a:defRPr>
+            </a:lvl4pPr>
+            <a:lvl5pPr marL="1280160" indent="-182880" algn="l" defTabSz="914400" rtl="0" eaLnBrk="1" latinLnBrk="0" hangingPunct="1">
+              <a:lnSpc>
+                <a:spcPct val="90000"/>
+              </a:lnSpc>
+              <a:spcBef>
+                <a:spcPts val="400"/>
+              </a:spcBef>
+              <a:spcAft>
+                <a:spcPts val="200"/>
+              </a:spcAft>
+              <a:buClr>
+                <a:schemeClr val="accent1">
+                  <a:lumMod val="75000"/>
+                </a:schemeClr>
+              </a:buClr>
+              <a:buSzPct val="85000"/>
+              <a:buFont typeface="Wingdings" pitchFamily="2" charset="2"/>
+              <a:buChar char="§"/>
+              <a:defRPr sz="1600" kern="1200">
+                <a:solidFill>
+                  <a:schemeClr val="tx1"/>
+                </a:solidFill>
+                <a:latin typeface="+mn-lt"/>
+                <a:ea typeface="+mn-ea"/>
+                <a:cs typeface="+mn-cs"/>
+              </a:defRPr>
+            </a:lvl5pPr>
+            <a:lvl6pPr marL="1600000" indent="-228600" algn="l" defTabSz="914400" rtl="0" eaLnBrk="1" latinLnBrk="0" hangingPunct="1">
+              <a:lnSpc>
+                <a:spcPct val="90000"/>
+              </a:lnSpc>
+              <a:spcBef>
+                <a:spcPts val="400"/>
+              </a:spcBef>
+              <a:spcAft>
+                <a:spcPts val="200"/>
+              </a:spcAft>
+              <a:buClr>
+                <a:schemeClr val="accent1">
+                  <a:lumMod val="75000"/>
+                </a:schemeClr>
+              </a:buClr>
+              <a:buSzPct val="85000"/>
+              <a:buFont typeface="Wingdings" pitchFamily="2" charset="2"/>
+              <a:buChar char="§"/>
+              <a:defRPr sz="1600" kern="1200">
+                <a:solidFill>
+                  <a:schemeClr val="tx1"/>
+                </a:solidFill>
+                <a:latin typeface="+mn-lt"/>
+                <a:ea typeface="+mn-ea"/>
+                <a:cs typeface="+mn-cs"/>
+              </a:defRPr>
+            </a:lvl6pPr>
+            <a:lvl7pPr marL="1900000" indent="-228600" algn="l" defTabSz="914400" rtl="0" eaLnBrk="1" latinLnBrk="0" hangingPunct="1">
+              <a:lnSpc>
+                <a:spcPct val="90000"/>
+              </a:lnSpc>
+              <a:spcBef>
+                <a:spcPts val="400"/>
+              </a:spcBef>
+              <a:spcAft>
+                <a:spcPts val="200"/>
+              </a:spcAft>
+              <a:buClr>
+                <a:schemeClr val="accent1">
+                  <a:lumMod val="75000"/>
+                </a:schemeClr>
+              </a:buClr>
+              <a:buSzPct val="85000"/>
+              <a:buFont typeface="Wingdings" pitchFamily="2" charset="2"/>
+              <a:buChar char="§"/>
+              <a:defRPr sz="1600" kern="1200">
+                <a:solidFill>
+                  <a:schemeClr val="tx1"/>
+                </a:solidFill>
+                <a:latin typeface="+mn-lt"/>
+                <a:ea typeface="+mn-ea"/>
+                <a:cs typeface="+mn-cs"/>
+              </a:defRPr>
+            </a:lvl7pPr>
+            <a:lvl8pPr marL="2200000" indent="-228600" algn="l" defTabSz="914400" rtl="0" eaLnBrk="1" latinLnBrk="0" hangingPunct="1">
+              <a:lnSpc>
+                <a:spcPct val="90000"/>
+              </a:lnSpc>
+              <a:spcBef>
+                <a:spcPts val="400"/>
+              </a:spcBef>
+              <a:spcAft>
+                <a:spcPts val="200"/>
+              </a:spcAft>
+              <a:buClr>
+                <a:schemeClr val="accent1">
+                  <a:lumMod val="75000"/>
+                </a:schemeClr>
+              </a:buClr>
+              <a:buSzPct val="85000"/>
+              <a:buFont typeface="Wingdings" pitchFamily="2" charset="2"/>
+              <a:buChar char="§"/>
+              <a:defRPr sz="1600" kern="1200">
+                <a:solidFill>
+                  <a:schemeClr val="tx1"/>
+                </a:solidFill>
+                <a:latin typeface="+mn-lt"/>
+                <a:ea typeface="+mn-ea"/>
+                <a:cs typeface="+mn-cs"/>
+              </a:defRPr>
+            </a:lvl8pPr>
+            <a:lvl9pPr marL="2500000" indent="-228600" algn="l" defTabSz="914400" rtl="0" eaLnBrk="1" latinLnBrk="0" hangingPunct="1">
+              <a:lnSpc>
+                <a:spcPct val="90000"/>
+              </a:lnSpc>
+              <a:spcBef>
+                <a:spcPts val="400"/>
+              </a:spcBef>
+              <a:spcAft>
+                <a:spcPts val="200"/>
+              </a:spcAft>
+              <a:buClr>
+                <a:schemeClr val="accent1">
+                  <a:lumMod val="75000"/>
+                </a:schemeClr>
+              </a:buClr>
+              <a:buSzPct val="85000"/>
+              <a:buFont typeface="Wingdings" pitchFamily="2" charset="2"/>
+              <a:buChar char="§"/>
+              <a:defRPr sz="1600" kern="1200">
+                <a:solidFill>
+                  <a:schemeClr val="tx1"/>
+                </a:solidFill>
+                <a:latin typeface="+mn-lt"/>
+                <a:ea typeface="+mn-ea"/>
+                <a:cs typeface="+mn-cs"/>
+              </a:defRPr>
+            </a:lvl9pPr>
+          </a:lstStyle>
+          <a:p>
+            <a:r>
+              <a:rPr lang="en-US" dirty="0"/>
+              <a:t>Used in …</a:t>
+            </a:r>
+          </a:p>
+          <a:p>
+            <a:pPr lvl="1"/>
+            <a:r>
+              <a:rPr lang="en-US" dirty="0"/>
+              <a:t>Web</a:t>
+            </a:r>
+          </a:p>
+          <a:p>
+            <a:pPr lvl="2"/>
+            <a:r>
+              <a:rPr lang="en-US" dirty="0"/>
+              <a:t>Frameworks (</a:t>
+            </a:r>
+            <a:r>
+              <a:rPr lang="en-US" dirty="0" err="1"/>
+              <a:t>django</a:t>
+            </a:r>
+            <a:r>
+              <a:rPr lang="en-US" dirty="0"/>
+              <a:t>)</a:t>
+            </a:r>
+          </a:p>
+          <a:p>
+            <a:pPr lvl="1"/>
+            <a:r>
+              <a:rPr lang="en-US" dirty="0"/>
+              <a:t>Programs</a:t>
+            </a:r>
+          </a:p>
+          <a:p>
+            <a:pPr lvl="2"/>
+            <a:r>
+              <a:rPr lang="en-US" dirty="0"/>
+              <a:t>Command line</a:t>
+            </a:r>
+          </a:p>
+          <a:p>
+            <a:pPr lvl="2"/>
+            <a:r>
+              <a:rPr lang="en-US" dirty="0"/>
+              <a:t>GUI</a:t>
+            </a:r>
+          </a:p>
+          <a:p>
+            <a:pPr lvl="1"/>
+            <a:r>
+              <a:rPr lang="en-US" dirty="0"/>
+              <a:t>Scientific Calculations</a:t>
+            </a:r>
+          </a:p>
+          <a:p>
+            <a:pPr lvl="1"/>
+            <a:r>
+              <a:rPr lang="en-US" dirty="0"/>
+              <a:t>Data Analysis</a:t>
+            </a:r>
+          </a:p>
+          <a:p>
+            <a:pPr lvl="1"/>
+            <a:r>
+              <a:rPr lang="en-US" dirty="0"/>
+              <a:t>Education (particularly </a:t>
+            </a:r>
+            <a:r>
+              <a:rPr lang="en-US" dirty="0" err="1"/>
+              <a:t>jupyter</a:t>
+            </a:r>
+            <a:r>
+              <a:rPr lang="en-US" dirty="0"/>
+              <a:t> notebooks)</a:t>
+            </a:r>
+          </a:p>
+          <a:p>
+            <a:pPr lvl="1"/>
+            <a:r>
+              <a:rPr lang="en-US" dirty="0"/>
+              <a:t>Integration</a:t>
+            </a:r>
+          </a:p>
+          <a:p>
+            <a:endParaRPr lang="en-US" dirty="0"/>
+          </a:p>
+        </p:txBody>
+      </p:sp>
+    </p:spTree>
+    <p:extLst>
+      <p:ext uri="{BB962C8B-B14F-4D97-AF65-F5344CB8AC3E}">
+        <p14:creationId xmlns:p14="http://schemas.microsoft.com/office/powerpoint/2010/main" val="2287056762"/>
+      </p:ext>
+    </p:extLst>
+  </p:cSld>
+  <p:clrMapOvr>
+    <a:masterClrMapping/>
+  </p:clrMapOvr>
+</p:sld>
+</file>
+
+<file path=ppt/slides/slide8.xml><?xml version="1.0" encoding="utf-8"?>
+<p:sld xmlns:a="http://schemas.openxmlformats.org/drawingml/2006/main" xmlns:r="http://schemas.openxmlformats.org/officeDocument/2006/relationships" xmlns:p="http://schemas.openxmlformats.org/presentationml/2006/main">
+  <p:cSld>
+    <p:spTree>
+      <p:nvGrpSpPr>
+        <p:cNvPr id="1" name=""/>
+        <p:cNvGrpSpPr/>
+        <p:nvPr/>
+      </p:nvGrpSpPr>
+      <p:grpSpPr>
+        <a:xfrm>
+          <a:off x="0" y="0"/>
+          <a:ext cx="0" cy="0"/>
+          <a:chOff x="0" y="0"/>
+          <a:chExt cx="0" cy="0"/>
+        </a:xfrm>
+      </p:grpSpPr>
+      <p:sp>
+        <p:nvSpPr>
+          <p:cNvPr id="2" name="Title 1">
+            <a:extLst>
+              <a:ext uri="{FF2B5EF4-FFF2-40B4-BE49-F238E27FC236}">
+                <a16:creationId xmlns:a16="http://schemas.microsoft.com/office/drawing/2014/main" id="{32F70F65-6F2A-4185-A897-B6CB9CD3A263}"/>
+              </a:ext>
+            </a:extLst>
+          </p:cNvPr>
+          <p:cNvSpPr>
+            <a:spLocks noGrp="1"/>
+          </p:cNvSpPr>
+          <p:nvPr>
+            <p:ph type="title"/>
+          </p:nvPr>
+        </p:nvSpPr>
+        <p:spPr/>
+        <p:txBody>
+          <a:bodyPr>
+            <a:normAutofit fontScale="90000"/>
+          </a:bodyPr>
+          <a:lstStyle/>
+          <a:p>
+            <a:r>
+              <a:rPr lang="en-US" dirty="0"/>
+              <a:t>Python: Where to look for Docs/Help</a:t>
+            </a:r>
+          </a:p>
+        </p:txBody>
+      </p:sp>
+      <p:sp>
+        <p:nvSpPr>
+          <p:cNvPr id="5" name="Content Placeholder 4">
+            <a:extLst>
+              <a:ext uri="{FF2B5EF4-FFF2-40B4-BE49-F238E27FC236}">
+                <a16:creationId xmlns:a16="http://schemas.microsoft.com/office/drawing/2014/main" id="{6793DA37-8C04-4EFA-A84E-6F7BE3878248}"/>
+              </a:ext>
+            </a:extLst>
+          </p:cNvPr>
+          <p:cNvSpPr>
+            <a:spLocks noGrp="1"/>
+          </p:cNvSpPr>
+          <p:nvPr>
+            <p:ph sz="half" idx="2"/>
+          </p:nvPr>
+        </p:nvSpPr>
+        <p:spPr/>
+        <p:txBody>
+          <a:bodyPr/>
+          <a:lstStyle/>
+          <a:p>
+            <a:r>
+              <a:rPr lang="en-US" dirty="0">
+                <a:hlinkClick r:id="rId2"/>
+              </a:rPr>
+              <a:t>https://www.python.org/</a:t>
+            </a:r>
+            <a:r>
+              <a:rPr lang="en-US" dirty="0"/>
+              <a:t> – documentation and tutorials</a:t>
+            </a:r>
+          </a:p>
+          <a:p>
+            <a:pPr lvl="1"/>
+            <a:r>
+              <a:rPr lang="en-US" dirty="0"/>
+              <a:t>Language documentation</a:t>
+            </a:r>
+          </a:p>
+          <a:p>
+            <a:pPr lvl="1"/>
+            <a:r>
+              <a:rPr lang="en-US" dirty="0"/>
+              <a:t>Build-in library documentation</a:t>
+            </a:r>
+          </a:p>
+          <a:p>
+            <a:r>
+              <a:rPr lang="en-US" dirty="0"/>
+              <a:t>Documentation of the library</a:t>
+            </a:r>
+          </a:p>
+          <a:p>
+            <a:r>
+              <a:rPr lang="en-US" dirty="0">
+                <a:hlinkClick r:id="rId3"/>
+              </a:rPr>
+              <a:t>https://stackoverflow.com/</a:t>
+            </a:r>
+            <a:r>
+              <a:rPr lang="en-US" dirty="0"/>
+              <a:t> - Q and A from people around the world</a:t>
+            </a:r>
+          </a:p>
+          <a:p>
+            <a:r>
+              <a:rPr lang="en-US" dirty="0"/>
+              <a:t>Books</a:t>
+            </a:r>
+          </a:p>
+          <a:p>
+            <a:pPr lvl="1"/>
+            <a:r>
+              <a:rPr lang="en-US" dirty="0"/>
+              <a:t>The course one</a:t>
+            </a:r>
+          </a:p>
+          <a:p>
+            <a:pPr lvl="1"/>
+            <a:r>
+              <a:rPr lang="en-US" dirty="0"/>
+              <a:t>Find your own</a:t>
+            </a:r>
+          </a:p>
+          <a:p>
+            <a:r>
+              <a:rPr lang="en-US" dirty="0"/>
+              <a:t>Google it</a:t>
+            </a:r>
+          </a:p>
+        </p:txBody>
+      </p:sp>
+      <p:pic>
+        <p:nvPicPr>
+          <p:cNvPr id="14" name="Picture 13">
+            <a:extLst>
+              <a:ext uri="{FF2B5EF4-FFF2-40B4-BE49-F238E27FC236}">
+                <a16:creationId xmlns:a16="http://schemas.microsoft.com/office/drawing/2014/main" id="{A41330EF-56C6-4542-825B-7029CA473A2A}"/>
+              </a:ext>
+            </a:extLst>
+          </p:cNvPr>
+          <p:cNvPicPr>
+            <a:picLocks noChangeAspect="1"/>
+          </p:cNvPicPr>
+          <p:nvPr/>
+        </p:nvPicPr>
+        <p:blipFill>
+          <a:blip r:embed="rId4"/>
+          <a:stretch>
+            <a:fillRect/>
+          </a:stretch>
+        </p:blipFill>
+        <p:spPr>
+          <a:xfrm>
+            <a:off x="265068" y="1058091"/>
+            <a:ext cx="5005874" cy="3788229"/>
+          </a:xfrm>
+          <a:prstGeom prst="rect">
+            <a:avLst/>
+          </a:prstGeom>
+        </p:spPr>
+      </p:pic>
+    </p:spTree>
+    <p:extLst>
+      <p:ext uri="{BB962C8B-B14F-4D97-AF65-F5344CB8AC3E}">
+        <p14:creationId xmlns:p14="http://schemas.microsoft.com/office/powerpoint/2010/main" val="3124219289"/>
+      </p:ext>
+    </p:extLst>
+  </p:cSld>
+  <p:clrMapOvr>
+    <a:masterClrMapping/>
+  </p:clrMapOvr>
+</p:sld>
+</file>
+
+<file path=ppt/slides/slide9.xml><?xml version="1.0" encoding="utf-8"?>
+<p:sld xmlns:a="http://schemas.openxmlformats.org/drawingml/2006/main" xmlns:r="http://schemas.openxmlformats.org/officeDocument/2006/relationships" xmlns:p="http://schemas.openxmlformats.org/presentationml/2006/main">
+  <p:cSld>
+    <p:spTree>
+      <p:nvGrpSpPr>
+        <p:cNvPr id="1" name=""/>
+        <p:cNvGrpSpPr/>
+        <p:nvPr/>
+      </p:nvGrpSpPr>
+      <p:grpSpPr>
+        <a:xfrm>
+          <a:off x="0" y="0"/>
+          <a:ext cx="0" cy="0"/>
+          <a:chOff x="0" y="0"/>
+          <a:chExt cx="0" cy="0"/>
+        </a:xfrm>
+      </p:grpSpPr>
+      <p:sp>
+        <p:nvSpPr>
+          <p:cNvPr id="2" name="Title 1">
+            <a:extLst>
+              <a:ext uri="{FF2B5EF4-FFF2-40B4-BE49-F238E27FC236}">
+                <a16:creationId xmlns:a16="http://schemas.microsoft.com/office/drawing/2014/main" id="{32F70F65-6F2A-4185-A897-B6CB9CD3A263}"/>
+              </a:ext>
+            </a:extLst>
+          </p:cNvPr>
+          <p:cNvSpPr>
+            <a:spLocks noGrp="1"/>
+          </p:cNvSpPr>
+          <p:nvPr>
+            <p:ph type="title"/>
+          </p:nvPr>
+        </p:nvSpPr>
+        <p:spPr/>
+        <p:txBody>
+          <a:bodyPr/>
+          <a:lstStyle/>
+          <a:p>
+            <a:r>
+              <a:rPr lang="en-US" dirty="0"/>
+              <a:t>Python and Libraries</a:t>
+            </a:r>
+          </a:p>
+        </p:txBody>
+      </p:sp>
+      <p:graphicFrame>
+        <p:nvGraphicFramePr>
+          <p:cNvPr id="6" name="Content Placeholder 5">
+            <a:extLst>
+              <a:ext uri="{FF2B5EF4-FFF2-40B4-BE49-F238E27FC236}">
+                <a16:creationId xmlns:a16="http://schemas.microsoft.com/office/drawing/2014/main" id="{2FA122EF-DFE5-42D1-98CF-09F8C6EFA044}"/>
+              </a:ext>
+            </a:extLst>
+          </p:cNvPr>
+          <p:cNvGraphicFramePr>
+            <a:graphicFrameLocks noGrp="1"/>
+          </p:cNvGraphicFramePr>
+          <p:nvPr>
+            <p:ph sz="half" idx="1"/>
+            <p:extLst>
+              <p:ext uri="{D42A27DB-BD31-4B8C-83A1-F6EECF244321}">
+                <p14:modId xmlns:p14="http://schemas.microsoft.com/office/powerpoint/2010/main" val="1204229333"/>
+              </p:ext>
+            </p:extLst>
+          </p:nvPr>
+        </p:nvGraphicFramePr>
+        <p:xfrm>
+          <a:off x="508272" y="1439862"/>
+          <a:ext cx="4754563" cy="3978275"/>
+        </p:xfrm>
+        <a:graphic>
+          <a:graphicData uri="http://schemas.openxmlformats.org/drawingml/2006/diagram">
+            <dgm:relIds xmlns:dgm="http://schemas.openxmlformats.org/drawingml/2006/diagram" xmlns:r="http://schemas.openxmlformats.org/officeDocument/2006/relationships" r:dm="rId2" r:lo="rId3" r:qs="rId4" r:cs="rId5"/>
+          </a:graphicData>
+        </a:graphic>
+      </p:graphicFrame>
+      <p:sp>
+        <p:nvSpPr>
+          <p:cNvPr id="5" name="Content Placeholder 4">
+            <a:extLst>
+              <a:ext uri="{FF2B5EF4-FFF2-40B4-BE49-F238E27FC236}">
+                <a16:creationId xmlns:a16="http://schemas.microsoft.com/office/drawing/2014/main" id="{6793DA37-8C04-4EFA-A84E-6F7BE3878248}"/>
+              </a:ext>
+            </a:extLst>
+          </p:cNvPr>
+          <p:cNvSpPr>
+            <a:spLocks noGrp="1"/>
+          </p:cNvSpPr>
+          <p:nvPr>
+            <p:ph sz="half" idx="2"/>
+          </p:nvPr>
+        </p:nvSpPr>
+        <p:spPr/>
+        <p:txBody>
+          <a:bodyPr/>
+          <a:lstStyle/>
+          <a:p>
+            <a:r>
+              <a:rPr lang="en-US" dirty="0"/>
+              <a:t>Core Python – provides core language capabilities</a:t>
+            </a:r>
+          </a:p>
+          <a:p>
+            <a:r>
+              <a:rPr lang="en-US" dirty="0"/>
+              <a:t>Built-in libraries – add functionality for common programmatic tasks</a:t>
+            </a:r>
+          </a:p>
+          <a:p>
+            <a:pPr lvl="1"/>
+            <a:r>
+              <a:rPr lang="en-US" dirty="0"/>
+              <a:t>datetime – date and time</a:t>
+            </a:r>
+          </a:p>
+          <a:p>
+            <a:pPr lvl="1"/>
+            <a:r>
+              <a:rPr lang="en-US" dirty="0"/>
+              <a:t>re – regression expression</a:t>
+            </a:r>
+          </a:p>
+          <a:p>
+            <a:pPr lvl="1"/>
+            <a:r>
+              <a:rPr lang="en-US" dirty="0"/>
+              <a:t>sqllite3 - SQLite databases</a:t>
+            </a:r>
+          </a:p>
+          <a:p>
+            <a:r>
+              <a:rPr lang="en-US" dirty="0"/>
+              <a:t>Libraries – add custom functionality</a:t>
+            </a:r>
+          </a:p>
+          <a:p>
+            <a:pPr lvl="1"/>
+            <a:r>
+              <a:rPr lang="en-US" dirty="0"/>
+              <a:t>pandas – data analysis</a:t>
+            </a:r>
+          </a:p>
+          <a:p>
+            <a:pPr lvl="1"/>
+            <a:r>
+              <a:rPr lang="en-US" dirty="0"/>
+              <a:t>TensorFlow - neural network</a:t>
+            </a:r>
+          </a:p>
+        </p:txBody>
+      </p:sp>
+    </p:spTree>
+    <p:extLst>
+      <p:ext uri="{BB962C8B-B14F-4D97-AF65-F5344CB8AC3E}">
+        <p14:creationId xmlns:p14="http://schemas.microsoft.com/office/powerpoint/2010/main" val="1913380787"/>
       </p:ext>
     </p:extLst>
   </p:cSld>
